--- a/doc/results_20140314/results_20140314.pptx
+++ b/doc/results_20140314/results_20140314.pptx
@@ -9,13 +9,10 @@
     <p:sldId id="258" r:id="rId3"/>
     <p:sldId id="261" r:id="rId4"/>
     <p:sldId id="268" r:id="rId5"/>
-    <p:sldId id="269" r:id="rId6"/>
-    <p:sldId id="265" r:id="rId7"/>
-    <p:sldId id="267" r:id="rId8"/>
-    <p:sldId id="270" r:id="rId9"/>
-    <p:sldId id="263" r:id="rId10"/>
-    <p:sldId id="266" r:id="rId11"/>
-    <p:sldId id="271" r:id="rId12"/>
+    <p:sldId id="265" r:id="rId6"/>
+    <p:sldId id="267" r:id="rId7"/>
+    <p:sldId id="263" r:id="rId8"/>
+    <p:sldId id="266" r:id="rId9"/>
   </p:sldIdLst>
   <p:sldSz cx="9144000" cy="6858000" type="screen4x3"/>
   <p:notesSz cx="6997700" cy="9283700"/>
@@ -3128,234 +3125,6 @@
 </p:sld>
 </file>
 
-<file path=ppt/slides/slide10.xml><?xml version="1.0" encoding="utf-8"?>
-<p:sld xmlns:a="http://schemas.openxmlformats.org/drawingml/2006/main" xmlns:r="http://schemas.openxmlformats.org/officeDocument/2006/relationships" xmlns:p="http://schemas.openxmlformats.org/presentationml/2006/main">
-  <p:cSld>
-    <p:spTree>
-      <p:nvGrpSpPr>
-        <p:cNvPr id="1" name=""/>
-        <p:cNvGrpSpPr/>
-        <p:nvPr/>
-      </p:nvGrpSpPr>
-      <p:grpSpPr>
-        <a:xfrm>
-          <a:off x="0" y="0"/>
-          <a:ext cx="0" cy="0"/>
-          <a:chOff x="0" y="0"/>
-          <a:chExt cx="0" cy="0"/>
-        </a:xfrm>
-      </p:grpSpPr>
-      <p:pic>
-        <p:nvPicPr>
-          <p:cNvPr id="2050" name="Picture 2"/>
-          <p:cNvPicPr>
-            <a:picLocks noChangeAspect="1" noChangeArrowheads="1"/>
-          </p:cNvPicPr>
-          <p:nvPr/>
-        </p:nvPicPr>
-        <p:blipFill>
-          <a:blip r:embed="rId2">
-            <a:extLst>
-              <a:ext uri="{28A0092B-C50C-407E-A947-70E740481C1C}">
-                <a14:useLocalDpi xmlns:a14="http://schemas.microsoft.com/office/drawing/2010/main" val="0"/>
-              </a:ext>
-            </a:extLst>
-          </a:blip>
-          <a:srcRect/>
-          <a:stretch>
-            <a:fillRect/>
-          </a:stretch>
-        </p:blipFill>
-        <p:spPr bwMode="auto">
-          <a:xfrm>
-            <a:off x="-2875" y="1905000"/>
-            <a:ext cx="9158068" cy="2743200"/>
-          </a:xfrm>
-          <a:prstGeom prst="rect">
-            <a:avLst/>
-          </a:prstGeom>
-          <a:noFill/>
-          <a:ln>
-            <a:noFill/>
-          </a:ln>
-          <a:extLst>
-            <a:ext uri="{909E8E84-426E-40DD-AFC4-6F175D3DCCD1}">
-              <a14:hiddenFill xmlns:a14="http://schemas.microsoft.com/office/drawing/2010/main">
-                <a:solidFill>
-                  <a:schemeClr val="accent1"/>
-                </a:solidFill>
-              </a14:hiddenFill>
-            </a:ext>
-            <a:ext uri="{91240B29-F687-4F45-9708-019B960494DF}">
-              <a14:hiddenLine xmlns:a14="http://schemas.microsoft.com/office/drawing/2010/main" w="9525">
-                <a:solidFill>
-                  <a:schemeClr val="tx1"/>
-                </a:solidFill>
-                <a:miter lim="800000"/>
-                <a:headEnd/>
-                <a:tailEnd/>
-              </a14:hiddenLine>
-            </a:ext>
-          </a:extLst>
-        </p:spPr>
-      </p:pic>
-      <p:sp>
-        <p:nvSpPr>
-          <p:cNvPr id="2" name="TextBox 1"/>
-          <p:cNvSpPr txBox="1"/>
-          <p:nvPr/>
-        </p:nvSpPr>
-        <p:spPr>
-          <a:xfrm>
-            <a:off x="152400" y="152400"/>
-            <a:ext cx="5264390" cy="369332"/>
-          </a:xfrm>
-          <a:prstGeom prst="rect">
-            <a:avLst/>
-          </a:prstGeom>
-          <a:noFill/>
-        </p:spPr>
-        <p:txBody>
-          <a:bodyPr wrap="none" rtlCol="0">
-            <a:spAutoFit/>
-          </a:bodyPr>
-          <a:lstStyle/>
-          <a:p>
-            <a:r>
-              <a:rPr lang="en-US" dirty="0" smtClean="0"/>
-              <a:t>20x6,  No invasion check, Multi Seeds,  Weights: 1/1/0</a:t>
-            </a:r>
-            <a:endParaRPr lang="en-US" dirty="0"/>
-          </a:p>
-        </p:txBody>
-      </p:sp>
-    </p:spTree>
-    <p:extLst>
-      <p:ext uri="{BB962C8B-B14F-4D97-AF65-F5344CB8AC3E}">
-        <p14:creationId xmlns:p14="http://schemas.microsoft.com/office/powerpoint/2010/main" val="2661577249"/>
-      </p:ext>
-    </p:extLst>
-  </p:cSld>
-  <p:clrMapOvr>
-    <a:masterClrMapping/>
-  </p:clrMapOvr>
-</p:sld>
-</file>
-
-<file path=ppt/slides/slide11.xml><?xml version="1.0" encoding="utf-8"?>
-<p:sld xmlns:a="http://schemas.openxmlformats.org/drawingml/2006/main" xmlns:r="http://schemas.openxmlformats.org/officeDocument/2006/relationships" xmlns:p="http://schemas.openxmlformats.org/presentationml/2006/main">
-  <p:cSld>
-    <p:spTree>
-      <p:nvGrpSpPr>
-        <p:cNvPr id="1" name=""/>
-        <p:cNvGrpSpPr/>
-        <p:nvPr/>
-      </p:nvGrpSpPr>
-      <p:grpSpPr>
-        <a:xfrm>
-          <a:off x="0" y="0"/>
-          <a:ext cx="0" cy="0"/>
-          <a:chOff x="0" y="0"/>
-          <a:chExt cx="0" cy="0"/>
-        </a:xfrm>
-      </p:grpSpPr>
-      <p:pic>
-        <p:nvPicPr>
-          <p:cNvPr id="7170" name="Picture 2"/>
-          <p:cNvPicPr>
-            <a:picLocks noChangeAspect="1" noChangeArrowheads="1"/>
-          </p:cNvPicPr>
-          <p:nvPr/>
-        </p:nvPicPr>
-        <p:blipFill>
-          <a:blip r:embed="rId2">
-            <a:extLst>
-              <a:ext uri="{28A0092B-C50C-407E-A947-70E740481C1C}">
-                <a14:useLocalDpi xmlns:a14="http://schemas.microsoft.com/office/drawing/2010/main" val="0"/>
-              </a:ext>
-            </a:extLst>
-          </a:blip>
-          <a:srcRect/>
-          <a:stretch>
-            <a:fillRect/>
-          </a:stretch>
-        </p:blipFill>
-        <p:spPr bwMode="auto">
-          <a:xfrm>
-            <a:off x="1524000" y="939130"/>
-            <a:ext cx="5943600" cy="5918869"/>
-          </a:xfrm>
-          <a:prstGeom prst="rect">
-            <a:avLst/>
-          </a:prstGeom>
-          <a:noFill/>
-          <a:ln>
-            <a:noFill/>
-          </a:ln>
-          <a:extLst>
-            <a:ext uri="{909E8E84-426E-40DD-AFC4-6F175D3DCCD1}">
-              <a14:hiddenFill xmlns:a14="http://schemas.microsoft.com/office/drawing/2010/main">
-                <a:solidFill>
-                  <a:schemeClr val="accent1"/>
-                </a:solidFill>
-              </a14:hiddenFill>
-            </a:ext>
-            <a:ext uri="{91240B29-F687-4F45-9708-019B960494DF}">
-              <a14:hiddenLine xmlns:a14="http://schemas.microsoft.com/office/drawing/2010/main" w="9525">
-                <a:solidFill>
-                  <a:schemeClr val="tx1"/>
-                </a:solidFill>
-                <a:miter lim="800000"/>
-                <a:headEnd/>
-                <a:tailEnd/>
-              </a14:hiddenLine>
-            </a:ext>
-          </a:extLst>
-        </p:spPr>
-      </p:pic>
-      <p:sp>
-        <p:nvSpPr>
-          <p:cNvPr id="3" name="TextBox 2"/>
-          <p:cNvSpPr txBox="1"/>
-          <p:nvPr/>
-        </p:nvSpPr>
-        <p:spPr>
-          <a:xfrm>
-            <a:off x="152400" y="152400"/>
-            <a:ext cx="5711820" cy="369332"/>
-          </a:xfrm>
-          <a:prstGeom prst="rect">
-            <a:avLst/>
-          </a:prstGeom>
-          <a:noFill/>
-        </p:spPr>
-        <p:txBody>
-          <a:bodyPr wrap="none" rtlCol="0">
-            <a:spAutoFit/>
-          </a:bodyPr>
-          <a:lstStyle/>
-          <a:p>
-            <a:r>
-              <a:rPr lang="en-US" dirty="0" smtClean="0"/>
-              <a:t>20x20,  No invasion check, One Seed, Polar,  Weights: 0/1/0</a:t>
-            </a:r>
-            <a:endParaRPr lang="en-US" dirty="0"/>
-          </a:p>
-        </p:txBody>
-      </p:sp>
-    </p:spTree>
-    <p:extLst>
-      <p:ext uri="{BB962C8B-B14F-4D97-AF65-F5344CB8AC3E}">
-        <p14:creationId xmlns:p14="http://schemas.microsoft.com/office/powerpoint/2010/main" val="2307374296"/>
-      </p:ext>
-    </p:extLst>
-  </p:cSld>
-  <p:clrMapOvr>
-    <a:masterClrMapping/>
-  </p:clrMapOvr>
-</p:sld>
-</file>
-
 <file path=ppt/slides/slide2.xml><?xml version="1.0" encoding="utf-8"?>
 <p:sld xmlns:a="http://schemas.openxmlformats.org/drawingml/2006/main" xmlns:r="http://schemas.openxmlformats.org/officeDocument/2006/relationships" xmlns:p="http://schemas.openxmlformats.org/presentationml/2006/main">
   <p:cSld>
@@ -3382,7 +3151,7 @@
         <p:spPr>
           <a:xfrm>
             <a:off x="304800" y="609600"/>
-            <a:ext cx="6243569" cy="1169551"/>
+            <a:ext cx="8898590" cy="1384995"/>
           </a:xfrm>
           <a:prstGeom prst="rect">
             <a:avLst/>
@@ -3407,37 +3176,96 @@
           <a:p>
             <a:r>
               <a:rPr lang="ja-JP" altLang="en-US" sz="1400" dirty="0" smtClean="0"/>
-              <a:t>１．ロンドンの道路網で、まだ重複エッジがあったので、修正した。</a:t>
+              <a:t>１．</a:t>
+            </a:r>
+            <a:r>
+              <a:rPr lang="ja-JP" altLang="en-US" sz="1400" dirty="0"/>
+              <a:t>特徴</a:t>
+            </a:r>
+            <a:r>
+              <a:rPr lang="ja-JP" altLang="en-US" sz="1400" dirty="0" smtClean="0"/>
+              <a:t>量</a:t>
+            </a:r>
+            <a:r>
+              <a:rPr lang="ja-JP" altLang="en-US" sz="1400" dirty="0"/>
+              <a:t>に</a:t>
+            </a:r>
+            <a:r>
+              <a:rPr lang="ja-JP" altLang="en-US" sz="1400" dirty="0" smtClean="0"/>
+              <a:t>、レーン数を追加した。また、</a:t>
+            </a:r>
+            <a:r>
+              <a:rPr lang="en-US" altLang="ja-JP" sz="1400" dirty="0" smtClean="0"/>
+              <a:t>Local Street</a:t>
+            </a:r>
+            <a:r>
+              <a:rPr lang="ja-JP" altLang="en-US" sz="1400" dirty="0" smtClean="0"/>
+              <a:t>との交差点を</a:t>
+            </a:r>
+            <a:r>
+              <a:rPr lang="en-US" altLang="ja-JP" sz="1400" dirty="0" smtClean="0"/>
+              <a:t>Local Street</a:t>
+            </a:r>
+            <a:r>
+              <a:rPr lang="ja-JP" altLang="en-US" sz="1400" dirty="0" smtClean="0"/>
+              <a:t>生成用シードとして、特徴量に加えた。</a:t>
             </a:r>
             <a:endParaRPr lang="en-US" altLang="ja-JP" sz="1400" dirty="0" smtClean="0"/>
           </a:p>
           <a:p>
             <a:r>
+              <a:rPr lang="ja-JP" altLang="en-US" sz="1400" dirty="0"/>
+              <a:t>　</a:t>
+            </a:r>
+            <a:r>
               <a:rPr lang="ja-JP" altLang="en-US" sz="1400" dirty="0" smtClean="0"/>
-              <a:t>２．極座標系を追加した。</a:t>
+              <a:t>　⇒　やはり、</a:t>
+            </a:r>
+            <a:r>
+              <a:rPr lang="en-US" altLang="ja-JP" sz="1400" dirty="0" smtClean="0"/>
+              <a:t>Avenue</a:t>
+            </a:r>
+            <a:r>
+              <a:rPr lang="ja-JP" altLang="en-US" sz="1400" dirty="0" smtClean="0"/>
+              <a:t>のエッジを</a:t>
+            </a:r>
+            <a:r>
+              <a:rPr lang="en-US" altLang="ja-JP" sz="1400" dirty="0" smtClean="0"/>
+              <a:t>Local Street</a:t>
+            </a:r>
+            <a:r>
+              <a:rPr lang="ja-JP" altLang="en-US" sz="1400" dirty="0" smtClean="0"/>
+              <a:t>の交差点で分割すると、いろいろ問題が出てくるなぁ。</a:t>
             </a:r>
             <a:endParaRPr lang="en-US" altLang="ja-JP" sz="1400" dirty="0" smtClean="0"/>
           </a:p>
           <a:p>
             <a:r>
+              <a:rPr lang="ja-JP" altLang="en-US" sz="1400" dirty="0"/>
+              <a:t>２</a:t>
+            </a:r>
+            <a:r>
               <a:rPr lang="ja-JP" altLang="en-US" sz="1400" dirty="0" smtClean="0"/>
-              <a:t>３．</a:t>
-            </a:r>
-            <a:r>
-              <a:rPr lang="en-US" altLang="ja-JP" sz="1400" dirty="0" err="1" smtClean="0"/>
-              <a:t>GraphUtil</a:t>
+              <a:t>．スナップ時に、</a:t>
             </a:r>
             <a:r>
               <a:rPr lang="en-US" altLang="ja-JP" sz="1400" dirty="0" smtClean="0"/>
-              <a:t>::</a:t>
-            </a:r>
-            <a:r>
-              <a:rPr lang="en-US" altLang="ja-JP" sz="1400" dirty="0" err="1" smtClean="0"/>
-              <a:t>moveVertex</a:t>
+              <a:t>intersect</a:t>
             </a:r>
             <a:r>
               <a:rPr lang="ja-JP" altLang="en-US" sz="1400" dirty="0" smtClean="0"/>
-              <a:t>を、スケール＆ローテーションで実現するよう修正した。</a:t>
+              <a:t>しないようにスナップするよう修正した。</a:t>
+            </a:r>
+            <a:endParaRPr lang="en-US" altLang="ja-JP" sz="1400" dirty="0" smtClean="0"/>
+          </a:p>
+          <a:p>
+            <a:r>
+              <a:rPr lang="ja-JP" altLang="en-US" sz="1400" dirty="0"/>
+              <a:t>　</a:t>
+            </a:r>
+            <a:r>
+              <a:rPr lang="ja-JP" altLang="en-US" sz="1400" dirty="0" smtClean="0"/>
+              <a:t>　⇒　このため、以前の結果と少し変わっているはず。</a:t>
             </a:r>
             <a:endParaRPr lang="en-US" altLang="ja-JP" sz="1400" dirty="0" smtClean="0"/>
           </a:p>
@@ -3923,9 +3751,39 @@
           <a:chExt cx="0" cy="0"/>
         </a:xfrm>
       </p:grpSpPr>
+      <p:sp>
+        <p:nvSpPr>
+          <p:cNvPr id="3" name="TextBox 2"/>
+          <p:cNvSpPr txBox="1"/>
+          <p:nvPr/>
+        </p:nvSpPr>
+        <p:spPr>
+          <a:xfrm>
+            <a:off x="152400" y="152400"/>
+            <a:ext cx="5264390" cy="369332"/>
+          </a:xfrm>
+          <a:prstGeom prst="rect">
+            <a:avLst/>
+          </a:prstGeom>
+          <a:noFill/>
+        </p:spPr>
+        <p:txBody>
+          <a:bodyPr wrap="none" rtlCol="0">
+            <a:spAutoFit/>
+          </a:bodyPr>
+          <a:lstStyle/>
+          <a:p>
+            <a:r>
+              <a:rPr lang="en-US" dirty="0" smtClean="0"/>
+              <a:t>30x8,  No invasion check, Multi Seeds,  Weights: 1/1/0</a:t>
+            </a:r>
+            <a:endParaRPr lang="en-US" dirty="0"/>
+          </a:p>
+        </p:txBody>
+      </p:sp>
       <p:pic>
         <p:nvPicPr>
-          <p:cNvPr id="4098" name="Picture 2"/>
+          <p:cNvPr id="1026" name="Picture 2"/>
           <p:cNvPicPr>
             <a:picLocks noChangeAspect="1" noChangeArrowheads="1"/>
           </p:cNvPicPr>
@@ -3946,8 +3804,8 @@
         </p:blipFill>
         <p:spPr bwMode="auto">
           <a:xfrm>
-            <a:off x="0" y="1914525"/>
-            <a:ext cx="9112099" cy="2428875"/>
+            <a:off x="1" y="983613"/>
+            <a:ext cx="9144000" cy="2445387"/>
           </a:xfrm>
           <a:prstGeom prst="rect">
             <a:avLst/>
@@ -3977,16 +3835,70 @@
           </a:extLst>
         </p:spPr>
       </p:pic>
-      <p:sp>
-        <p:nvSpPr>
-          <p:cNvPr id="3" name="TextBox 2"/>
+      <p:pic>
+        <p:nvPicPr>
+          <p:cNvPr id="2" name="Picture 2"/>
+          <p:cNvPicPr>
+            <a:picLocks noChangeAspect="1" noChangeArrowheads="1"/>
+          </p:cNvPicPr>
+          <p:nvPr/>
+        </p:nvPicPr>
+        <p:blipFill>
+          <a:blip r:embed="rId3">
+            <a:extLst>
+              <a:ext uri="{28A0092B-C50C-407E-A947-70E740481C1C}">
+                <a14:useLocalDpi xmlns:a14="http://schemas.microsoft.com/office/drawing/2010/main" val="0"/>
+              </a:ext>
+            </a:extLst>
+          </a:blip>
+          <a:srcRect/>
+          <a:stretch>
+            <a:fillRect/>
+          </a:stretch>
+        </p:blipFill>
+        <p:spPr bwMode="auto">
+          <a:xfrm>
+            <a:off x="1" y="4158976"/>
+            <a:ext cx="9144000" cy="2470424"/>
+          </a:xfrm>
+          <a:prstGeom prst="rect">
+            <a:avLst/>
+          </a:prstGeom>
+          <a:noFill/>
+          <a:ln>
+            <a:noFill/>
+          </a:ln>
+          <a:extLst>
+            <a:ext uri="{909E8E84-426E-40DD-AFC4-6F175D3DCCD1}">
+              <a14:hiddenFill xmlns:a14="http://schemas.microsoft.com/office/drawing/2010/main">
+                <a:solidFill>
+                  <a:schemeClr val="accent1"/>
+                </a:solidFill>
+              </a14:hiddenFill>
+            </a:ext>
+            <a:ext uri="{91240B29-F687-4F45-9708-019B960494DF}">
+              <a14:hiddenLine xmlns:a14="http://schemas.microsoft.com/office/drawing/2010/main" w="9525">
+                <a:solidFill>
+                  <a:schemeClr val="tx1"/>
+                </a:solidFill>
+                <a:miter lim="800000"/>
+                <a:headEnd/>
+                <a:tailEnd/>
+              </a14:hiddenLine>
+            </a:ext>
+          </a:extLst>
+        </p:spPr>
+      </p:pic>
+      <p:sp>
+        <p:nvSpPr>
+          <p:cNvPr id="4" name="TextBox 3"/>
           <p:cNvSpPr txBox="1"/>
           <p:nvPr/>
         </p:nvSpPr>
         <p:spPr>
           <a:xfrm>
-            <a:off x="152400" y="152400"/>
-            <a:ext cx="5264390" cy="369332"/>
+            <a:off x="-21565" y="661994"/>
+            <a:ext cx="2614818" cy="369332"/>
           </a:xfrm>
           <a:prstGeom prst="rect">
             <a:avLst/>
@@ -4000,8 +3912,112 @@
           <a:lstStyle/>
           <a:p>
             <a:r>
-              <a:rPr lang="en-US" dirty="0" smtClean="0"/>
-              <a:t>30x8,  No invasion check, Multi Seeds,  Weights: 1/1/0</a:t>
+              <a:rPr lang="ja-JP" altLang="en-US" dirty="0" smtClean="0"/>
+              <a:t>古い特徴量を使った場合</a:t>
+            </a:r>
+            <a:endParaRPr lang="en-US" dirty="0"/>
+          </a:p>
+        </p:txBody>
+      </p:sp>
+      <p:sp>
+        <p:nvSpPr>
+          <p:cNvPr id="6" name="TextBox 5"/>
+          <p:cNvSpPr txBox="1"/>
+          <p:nvPr/>
+        </p:nvSpPr>
+        <p:spPr>
+          <a:xfrm>
+            <a:off x="1" y="3821668"/>
+            <a:ext cx="2791149" cy="369332"/>
+          </a:xfrm>
+          <a:prstGeom prst="rect">
+            <a:avLst/>
+          </a:prstGeom>
+          <a:noFill/>
+        </p:spPr>
+        <p:txBody>
+          <a:bodyPr wrap="none" rtlCol="0">
+            <a:spAutoFit/>
+          </a:bodyPr>
+          <a:lstStyle/>
+          <a:p>
+            <a:r>
+              <a:rPr lang="ja-JP" altLang="en-US" dirty="0" smtClean="0"/>
+              <a:t>新しい特徴量を使った場合</a:t>
+            </a:r>
+            <a:endParaRPr lang="en-US" dirty="0"/>
+          </a:p>
+        </p:txBody>
+      </p:sp>
+      <p:sp>
+        <p:nvSpPr>
+          <p:cNvPr id="5" name="Oval 4"/>
+          <p:cNvSpPr/>
+          <p:nvPr/>
+        </p:nvSpPr>
+        <p:spPr>
+          <a:xfrm>
+            <a:off x="2514600" y="5791200"/>
+            <a:ext cx="609600" cy="457200"/>
+          </a:xfrm>
+          <a:prstGeom prst="ellipse">
+            <a:avLst/>
+          </a:prstGeom>
+          <a:noFill/>
+          <a:ln>
+            <a:prstDash val="dash"/>
+          </a:ln>
+        </p:spPr>
+        <p:style>
+          <a:lnRef idx="2">
+            <a:schemeClr val="accent1">
+              <a:shade val="50000"/>
+            </a:schemeClr>
+          </a:lnRef>
+          <a:fillRef idx="1">
+            <a:schemeClr val="accent1"/>
+          </a:fillRef>
+          <a:effectRef idx="0">
+            <a:schemeClr val="accent1"/>
+          </a:effectRef>
+          <a:fontRef idx="minor">
+            <a:schemeClr val="lt1"/>
+          </a:fontRef>
+        </p:style>
+        <p:txBody>
+          <a:bodyPr rtlCol="0" anchor="ctr"/>
+          <a:lstStyle/>
+          <a:p>
+            <a:pPr algn="ctr"/>
+            <a:endParaRPr lang="en-US"/>
+          </a:p>
+        </p:txBody>
+      </p:sp>
+      <p:sp>
+        <p:nvSpPr>
+          <p:cNvPr id="7" name="TextBox 6"/>
+          <p:cNvSpPr txBox="1"/>
+          <p:nvPr/>
+        </p:nvSpPr>
+        <p:spPr>
+          <a:xfrm>
+            <a:off x="3048000" y="5562600"/>
+            <a:ext cx="2924198" cy="369332"/>
+          </a:xfrm>
+          <a:prstGeom prst="rect">
+            <a:avLst/>
+          </a:prstGeom>
+          <a:noFill/>
+        </p:spPr>
+        <p:txBody>
+          <a:bodyPr wrap="none" rtlCol="0">
+            <a:spAutoFit/>
+          </a:bodyPr>
+          <a:lstStyle/>
+          <a:p>
+            <a:r>
+              <a:rPr lang="ja-JP" altLang="en-US" dirty="0" smtClean="0"/>
+              <a:t>カスケードキャンセルが必要</a:t>
             </a:r>
             <a:endParaRPr lang="en-US" dirty="0"/>
           </a:p>
@@ -4037,9 +4053,45 @@
           <a:chExt cx="0" cy="0"/>
         </a:xfrm>
       </p:grpSpPr>
+      <p:sp>
+        <p:nvSpPr>
+          <p:cNvPr id="2" name="TextBox 1"/>
+          <p:cNvSpPr txBox="1"/>
+          <p:nvPr/>
+        </p:nvSpPr>
+        <p:spPr>
+          <a:xfrm>
+            <a:off x="-1" y="5488"/>
+            <a:ext cx="3503588" cy="707886"/>
+          </a:xfrm>
+          <a:prstGeom prst="rect">
+            <a:avLst/>
+          </a:prstGeom>
+          <a:noFill/>
+        </p:spPr>
+        <p:txBody>
+          <a:bodyPr wrap="none" rtlCol="0">
+            <a:spAutoFit/>
+          </a:bodyPr>
+          <a:lstStyle/>
+          <a:p>
+            <a:r>
+              <a:rPr lang="en-US" sz="2000" dirty="0" smtClean="0"/>
+              <a:t>2. San Francisco</a:t>
+            </a:r>
+          </a:p>
+          <a:p>
+            <a:r>
+              <a:rPr lang="en-US" sz="2000" dirty="0" smtClean="0"/>
+              <a:t>kde_feature_san-francisco.xml</a:t>
+            </a:r>
+            <a:endParaRPr lang="en-US" sz="2000" dirty="0"/>
+          </a:p>
+        </p:txBody>
+      </p:sp>
       <p:pic>
         <p:nvPicPr>
-          <p:cNvPr id="5122" name="Picture 2"/>
+          <p:cNvPr id="3" name="Picture 2"/>
           <p:cNvPicPr>
             <a:picLocks noChangeAspect="1" noChangeArrowheads="1"/>
           </p:cNvPicPr>
@@ -4060,8 +4112,8 @@
         </p:blipFill>
         <p:spPr bwMode="auto">
           <a:xfrm>
-            <a:off x="1752600" y="928687"/>
-            <a:ext cx="5805488" cy="5805488"/>
+            <a:off x="1524000" y="1295400"/>
+            <a:ext cx="5853112" cy="5046916"/>
           </a:xfrm>
           <a:prstGeom prst="rect">
             <a:avLst/>
@@ -4091,40 +4143,10 @@
           </a:extLst>
         </p:spPr>
       </p:pic>
-      <p:sp>
-        <p:nvSpPr>
-          <p:cNvPr id="3" name="TextBox 2"/>
-          <p:cNvSpPr txBox="1"/>
-          <p:nvPr/>
-        </p:nvSpPr>
-        <p:spPr>
-          <a:xfrm>
-            <a:off x="152400" y="152400"/>
-            <a:ext cx="5711820" cy="369332"/>
-          </a:xfrm>
-          <a:prstGeom prst="rect">
-            <a:avLst/>
-          </a:prstGeom>
-          <a:noFill/>
-        </p:spPr>
-        <p:txBody>
-          <a:bodyPr wrap="none" rtlCol="0">
-            <a:spAutoFit/>
-          </a:bodyPr>
-          <a:lstStyle/>
-          <a:p>
-            <a:r>
-              <a:rPr lang="en-US" dirty="0" smtClean="0"/>
-              <a:t>20x20,  No invasion check, One Seed, Polar,  Weights: 0/1/0</a:t>
-            </a:r>
-            <a:endParaRPr lang="en-US" dirty="0"/>
-          </a:p>
-        </p:txBody>
-      </p:sp>
     </p:spTree>
     <p:extLst>
       <p:ext uri="{BB962C8B-B14F-4D97-AF65-F5344CB8AC3E}">
-        <p14:creationId xmlns:p14="http://schemas.microsoft.com/office/powerpoint/2010/main" val="1976305264"/>
+        <p14:creationId xmlns:p14="http://schemas.microsoft.com/office/powerpoint/2010/main" val="2985489318"/>
       </p:ext>
     </p:extLst>
   </p:cSld>
@@ -4153,14 +4175,14 @@
       </p:grpSpPr>
       <p:sp>
         <p:nvSpPr>
-          <p:cNvPr id="2" name="TextBox 1"/>
+          <p:cNvPr id="3" name="TextBox 2"/>
           <p:cNvSpPr txBox="1"/>
           <p:nvPr/>
         </p:nvSpPr>
         <p:spPr>
           <a:xfrm>
-            <a:off x="-1" y="5488"/>
-            <a:ext cx="3503588" cy="707886"/>
+            <a:off x="152400" y="152400"/>
+            <a:ext cx="5264390" cy="369332"/>
           </a:xfrm>
           <a:prstGeom prst="rect">
             <a:avLst/>
@@ -4174,22 +4196,16 @@
           <a:lstStyle/>
           <a:p>
             <a:r>
-              <a:rPr lang="en-US" sz="2000" dirty="0" smtClean="0"/>
-              <a:t>2. San Francisco</a:t>
-            </a:r>
-          </a:p>
-          <a:p>
-            <a:r>
-              <a:rPr lang="en-US" sz="2000" dirty="0" smtClean="0"/>
-              <a:t>kde_feature_san-francisco.xml</a:t>
-            </a:r>
-            <a:endParaRPr lang="en-US" sz="2000" dirty="0"/>
+              <a:rPr lang="en-US" dirty="0" smtClean="0"/>
+              <a:t>30x7,  No invasion check, Multi Seeds,  Weights: 1/1/0</a:t>
+            </a:r>
+            <a:endParaRPr lang="en-US" dirty="0"/>
           </a:p>
         </p:txBody>
       </p:sp>
       <p:pic>
         <p:nvPicPr>
-          <p:cNvPr id="3" name="Picture 2"/>
+          <p:cNvPr id="2" name="Picture 2"/>
           <p:cNvPicPr>
             <a:picLocks noChangeAspect="1" noChangeArrowheads="1"/>
           </p:cNvPicPr>
@@ -4210,8 +4226,8 @@
         </p:blipFill>
         <p:spPr bwMode="auto">
           <a:xfrm>
-            <a:off x="1524000" y="1295400"/>
-            <a:ext cx="5853112" cy="5046916"/>
+            <a:off x="0" y="1066800"/>
+            <a:ext cx="9144000" cy="2154296"/>
           </a:xfrm>
           <a:prstGeom prst="rect">
             <a:avLst/>
@@ -4241,10 +4257,128 @@
           </a:extLst>
         </p:spPr>
       </p:pic>
+      <p:pic>
+        <p:nvPicPr>
+          <p:cNvPr id="3075" name="Picture 3"/>
+          <p:cNvPicPr>
+            <a:picLocks noChangeAspect="1" noChangeArrowheads="1"/>
+          </p:cNvPicPr>
+          <p:nvPr/>
+        </p:nvPicPr>
+        <p:blipFill>
+          <a:blip r:embed="rId3">
+            <a:extLst>
+              <a:ext uri="{28A0092B-C50C-407E-A947-70E740481C1C}">
+                <a14:useLocalDpi xmlns:a14="http://schemas.microsoft.com/office/drawing/2010/main" val="0"/>
+              </a:ext>
+            </a:extLst>
+          </a:blip>
+          <a:srcRect/>
+          <a:stretch>
+            <a:fillRect/>
+          </a:stretch>
+        </p:blipFill>
+        <p:spPr bwMode="auto">
+          <a:xfrm>
+            <a:off x="-8965" y="4256134"/>
+            <a:ext cx="9152965" cy="2144665"/>
+          </a:xfrm>
+          <a:prstGeom prst="rect">
+            <a:avLst/>
+          </a:prstGeom>
+          <a:noFill/>
+          <a:ln>
+            <a:noFill/>
+          </a:ln>
+          <a:extLst>
+            <a:ext uri="{909E8E84-426E-40DD-AFC4-6F175D3DCCD1}">
+              <a14:hiddenFill xmlns:a14="http://schemas.microsoft.com/office/drawing/2010/main">
+                <a:solidFill>
+                  <a:schemeClr val="accent1"/>
+                </a:solidFill>
+              </a14:hiddenFill>
+            </a:ext>
+            <a:ext uri="{91240B29-F687-4F45-9708-019B960494DF}">
+              <a14:hiddenLine xmlns:a14="http://schemas.microsoft.com/office/drawing/2010/main" w="9525">
+                <a:solidFill>
+                  <a:schemeClr val="tx1"/>
+                </a:solidFill>
+                <a:miter lim="800000"/>
+                <a:headEnd/>
+                <a:tailEnd/>
+              </a14:hiddenLine>
+            </a:ext>
+          </a:extLst>
+        </p:spPr>
+      </p:pic>
+      <p:sp>
+        <p:nvSpPr>
+          <p:cNvPr id="6" name="TextBox 5"/>
+          <p:cNvSpPr txBox="1"/>
+          <p:nvPr/>
+        </p:nvSpPr>
+        <p:spPr>
+          <a:xfrm>
+            <a:off x="-21565" y="661994"/>
+            <a:ext cx="2614818" cy="369332"/>
+          </a:xfrm>
+          <a:prstGeom prst="rect">
+            <a:avLst/>
+          </a:prstGeom>
+          <a:noFill/>
+        </p:spPr>
+        <p:txBody>
+          <a:bodyPr wrap="none" rtlCol="0">
+            <a:spAutoFit/>
+          </a:bodyPr>
+          <a:lstStyle/>
+          <a:p>
+            <a:r>
+              <a:rPr lang="ja-JP" altLang="en-US" dirty="0" smtClean="0"/>
+              <a:t>古い特徴量を使った場合</a:t>
+            </a:r>
+            <a:endParaRPr lang="en-US" dirty="0"/>
+          </a:p>
+        </p:txBody>
+      </p:sp>
+      <p:sp>
+        <p:nvSpPr>
+          <p:cNvPr id="7" name="TextBox 6"/>
+          <p:cNvSpPr txBox="1"/>
+          <p:nvPr/>
+        </p:nvSpPr>
+        <p:spPr>
+          <a:xfrm>
+            <a:off x="1" y="3821668"/>
+            <a:ext cx="8933856" cy="369332"/>
+          </a:xfrm>
+          <a:prstGeom prst="rect">
+            <a:avLst/>
+          </a:prstGeom>
+          <a:noFill/>
+        </p:spPr>
+        <p:txBody>
+          <a:bodyPr wrap="none" rtlCol="0">
+            <a:spAutoFit/>
+          </a:bodyPr>
+          <a:lstStyle/>
+          <a:p>
+            <a:r>
+              <a:rPr lang="ja-JP" altLang="en-US" dirty="0" smtClean="0"/>
+              <a:t>新しい特徴量を使った</a:t>
+            </a:r>
+            <a:r>
+              <a:rPr lang="ja-JP" altLang="en-US" smtClean="0"/>
+              <a:t>場合（直線が多いので、今回の変更の影響をほとんど受けていない）</a:t>
+            </a:r>
+            <a:endParaRPr lang="en-US" dirty="0"/>
+          </a:p>
+        </p:txBody>
+      </p:sp>
     </p:spTree>
     <p:extLst>
       <p:ext uri="{BB962C8B-B14F-4D97-AF65-F5344CB8AC3E}">
-        <p14:creationId xmlns:p14="http://schemas.microsoft.com/office/powerpoint/2010/main" val="2985489318"/>
+        <p14:creationId xmlns:p14="http://schemas.microsoft.com/office/powerpoint/2010/main" val="369617972"/>
       </p:ext>
     </p:extLst>
   </p:cSld>
@@ -4273,7 +4407,7 @@
       </p:grpSpPr>
       <p:pic>
         <p:nvPicPr>
-          <p:cNvPr id="3074" name="Picture 2"/>
+          <p:cNvPr id="2050" name="Picture 2"/>
           <p:cNvPicPr>
             <a:picLocks noChangeAspect="1" noChangeArrowheads="1"/>
           </p:cNvPicPr>
@@ -4294,8 +4428,8 @@
         </p:blipFill>
         <p:spPr bwMode="auto">
           <a:xfrm>
-            <a:off x="0" y="2209800"/>
-            <a:ext cx="9146185" cy="2133600"/>
+            <a:off x="1828800" y="1600200"/>
+            <a:ext cx="5800725" cy="5114925"/>
           </a:xfrm>
           <a:prstGeom prst="rect">
             <a:avLst/>
@@ -4333,8 +4467,8 @@
         </p:nvSpPr>
         <p:spPr>
           <a:xfrm>
-            <a:off x="152400" y="152400"/>
-            <a:ext cx="5264390" cy="369332"/>
+            <a:off x="-1" y="5488"/>
+            <a:ext cx="2743123" cy="707886"/>
           </a:xfrm>
           <a:prstGeom prst="rect">
             <a:avLst/>
@@ -4348,17 +4482,803 @@
           <a:lstStyle/>
           <a:p>
             <a:r>
-              <a:rPr lang="en-US" dirty="0" smtClean="0"/>
-              <a:t>30x7,  No invasion check, Multi Seeds,  Weights: 1/1/0</a:t>
-            </a:r>
-            <a:endParaRPr lang="en-US" dirty="0"/>
+              <a:rPr lang="en-US" sz="2000" dirty="0" smtClean="0"/>
+              <a:t>2. London</a:t>
+            </a:r>
+          </a:p>
+          <a:p>
+            <a:r>
+              <a:rPr lang="en-US" sz="2000" dirty="0" smtClean="0"/>
+              <a:t>kde_feature_london.xml</a:t>
+            </a:r>
+            <a:endParaRPr lang="en-US" sz="2000" dirty="0"/>
+          </a:p>
+        </p:txBody>
+      </p:sp>
+      <p:sp>
+        <p:nvSpPr>
+          <p:cNvPr id="4" name="TextBox 3"/>
+          <p:cNvSpPr txBox="1"/>
+          <p:nvPr/>
+        </p:nvSpPr>
+        <p:spPr>
+          <a:xfrm>
+            <a:off x="4591143" y="3581400"/>
+            <a:ext cx="263214" cy="276999"/>
+          </a:xfrm>
+          <a:prstGeom prst="rect">
+            <a:avLst/>
+          </a:prstGeom>
+          <a:noFill/>
+        </p:spPr>
+        <p:txBody>
+          <a:bodyPr wrap="none" rtlCol="0">
+            <a:spAutoFit/>
+          </a:bodyPr>
+          <a:lstStyle/>
+          <a:p>
+            <a:r>
+              <a:rPr lang="en-US" sz="1200" dirty="0" smtClean="0"/>
+              <a:t>3</a:t>
+            </a:r>
+            <a:endParaRPr lang="en-US" sz="1200" dirty="0"/>
+          </a:p>
+        </p:txBody>
+      </p:sp>
+      <p:sp>
+        <p:nvSpPr>
+          <p:cNvPr id="5" name="TextBox 4"/>
+          <p:cNvSpPr txBox="1"/>
+          <p:nvPr/>
+        </p:nvSpPr>
+        <p:spPr>
+          <a:xfrm>
+            <a:off x="4315105" y="3728478"/>
+            <a:ext cx="263214" cy="276999"/>
+          </a:xfrm>
+          <a:prstGeom prst="rect">
+            <a:avLst/>
+          </a:prstGeom>
+          <a:noFill/>
+        </p:spPr>
+        <p:txBody>
+          <a:bodyPr wrap="none" rtlCol="0">
+            <a:spAutoFit/>
+          </a:bodyPr>
+          <a:lstStyle/>
+          <a:p>
+            <a:r>
+              <a:rPr lang="en-US" sz="1200" dirty="0" smtClean="0"/>
+              <a:t>2</a:t>
+            </a:r>
+            <a:endParaRPr lang="en-US" sz="1200" dirty="0"/>
+          </a:p>
+        </p:txBody>
+      </p:sp>
+      <p:sp>
+        <p:nvSpPr>
+          <p:cNvPr id="6" name="TextBox 5"/>
+          <p:cNvSpPr txBox="1"/>
+          <p:nvPr/>
+        </p:nvSpPr>
+        <p:spPr>
+          <a:xfrm>
+            <a:off x="4953000" y="3573101"/>
+            <a:ext cx="341760" cy="276999"/>
+          </a:xfrm>
+          <a:prstGeom prst="rect">
+            <a:avLst/>
+          </a:prstGeom>
+          <a:noFill/>
+        </p:spPr>
+        <p:txBody>
+          <a:bodyPr wrap="none" rtlCol="0">
+            <a:spAutoFit/>
+          </a:bodyPr>
+          <a:lstStyle/>
+          <a:p>
+            <a:r>
+              <a:rPr lang="en-US" sz="1200" dirty="0" smtClean="0"/>
+              <a:t>28</a:t>
+            </a:r>
+            <a:endParaRPr lang="en-US" sz="1200" dirty="0"/>
+          </a:p>
+        </p:txBody>
+      </p:sp>
+      <p:sp>
+        <p:nvSpPr>
+          <p:cNvPr id="7" name="TextBox 6"/>
+          <p:cNvSpPr txBox="1"/>
+          <p:nvPr/>
+        </p:nvSpPr>
+        <p:spPr>
+          <a:xfrm>
+            <a:off x="4769296" y="2743200"/>
+            <a:ext cx="263214" cy="276999"/>
+          </a:xfrm>
+          <a:prstGeom prst="rect">
+            <a:avLst/>
+          </a:prstGeom>
+          <a:noFill/>
+        </p:spPr>
+        <p:txBody>
+          <a:bodyPr wrap="none" rtlCol="0">
+            <a:spAutoFit/>
+          </a:bodyPr>
+          <a:lstStyle/>
+          <a:p>
+            <a:r>
+              <a:rPr lang="en-US" sz="1200" dirty="0" smtClean="0"/>
+              <a:t>5</a:t>
+            </a:r>
+            <a:endParaRPr lang="en-US" sz="1200" dirty="0"/>
+          </a:p>
+        </p:txBody>
+      </p:sp>
+      <p:sp>
+        <p:nvSpPr>
+          <p:cNvPr id="8" name="TextBox 7"/>
+          <p:cNvSpPr txBox="1"/>
+          <p:nvPr/>
+        </p:nvSpPr>
+        <p:spPr>
+          <a:xfrm>
+            <a:off x="3886200" y="2931752"/>
+            <a:ext cx="341760" cy="276999"/>
+          </a:xfrm>
+          <a:prstGeom prst="rect">
+            <a:avLst/>
+          </a:prstGeom>
+          <a:noFill/>
+        </p:spPr>
+        <p:txBody>
+          <a:bodyPr wrap="none" rtlCol="0">
+            <a:spAutoFit/>
+          </a:bodyPr>
+          <a:lstStyle/>
+          <a:p>
+            <a:r>
+              <a:rPr lang="en-US" sz="1200" dirty="0" smtClean="0"/>
+              <a:t>26</a:t>
+            </a:r>
+            <a:endParaRPr lang="en-US" sz="1200" dirty="0"/>
+          </a:p>
+        </p:txBody>
+      </p:sp>
+      <p:sp>
+        <p:nvSpPr>
+          <p:cNvPr id="9" name="TextBox 8"/>
+          <p:cNvSpPr txBox="1"/>
+          <p:nvPr/>
+        </p:nvSpPr>
+        <p:spPr>
+          <a:xfrm>
+            <a:off x="4686532" y="4572000"/>
+            <a:ext cx="263214" cy="276999"/>
+          </a:xfrm>
+          <a:prstGeom prst="rect">
+            <a:avLst/>
+          </a:prstGeom>
+          <a:noFill/>
+        </p:spPr>
+        <p:txBody>
+          <a:bodyPr wrap="none" rtlCol="0">
+            <a:spAutoFit/>
+          </a:bodyPr>
+          <a:lstStyle/>
+          <a:p>
+            <a:r>
+              <a:rPr lang="en-US" sz="1200" dirty="0" smtClean="0"/>
+              <a:t>6</a:t>
+            </a:r>
+            <a:endParaRPr lang="en-US" sz="1200" dirty="0"/>
+          </a:p>
+        </p:txBody>
+      </p:sp>
+      <p:sp>
+        <p:nvSpPr>
+          <p:cNvPr id="10" name="TextBox 9"/>
+          <p:cNvSpPr txBox="1"/>
+          <p:nvPr/>
+        </p:nvSpPr>
+        <p:spPr>
+          <a:xfrm>
+            <a:off x="4410494" y="2435423"/>
+            <a:ext cx="263214" cy="276999"/>
+          </a:xfrm>
+          <a:prstGeom prst="rect">
+            <a:avLst/>
+          </a:prstGeom>
+          <a:noFill/>
+        </p:spPr>
+        <p:txBody>
+          <a:bodyPr wrap="none" rtlCol="0">
+            <a:spAutoFit/>
+          </a:bodyPr>
+          <a:lstStyle/>
+          <a:p>
+            <a:r>
+              <a:rPr lang="en-US" sz="1200" dirty="0" smtClean="0"/>
+              <a:t>4</a:t>
+            </a:r>
+            <a:endParaRPr lang="en-US" sz="1200" dirty="0"/>
+          </a:p>
+        </p:txBody>
+      </p:sp>
+      <p:sp>
+        <p:nvSpPr>
+          <p:cNvPr id="11" name="TextBox 10"/>
+          <p:cNvSpPr txBox="1"/>
+          <p:nvPr/>
+        </p:nvSpPr>
+        <p:spPr>
+          <a:xfrm>
+            <a:off x="5320408" y="3441050"/>
+            <a:ext cx="341760" cy="276999"/>
+          </a:xfrm>
+          <a:prstGeom prst="rect">
+            <a:avLst/>
+          </a:prstGeom>
+          <a:noFill/>
+        </p:spPr>
+        <p:txBody>
+          <a:bodyPr wrap="none" rtlCol="0">
+            <a:spAutoFit/>
+          </a:bodyPr>
+          <a:lstStyle/>
+          <a:p>
+            <a:r>
+              <a:rPr lang="en-US" sz="1200" dirty="0" smtClean="0"/>
+              <a:t>27</a:t>
+            </a:r>
+            <a:endParaRPr lang="en-US" sz="1200" dirty="0"/>
+          </a:p>
+        </p:txBody>
+      </p:sp>
+      <p:sp>
+        <p:nvSpPr>
+          <p:cNvPr id="12" name="TextBox 11"/>
+          <p:cNvSpPr txBox="1"/>
+          <p:nvPr/>
+        </p:nvSpPr>
+        <p:spPr>
+          <a:xfrm>
+            <a:off x="3200400" y="3238040"/>
+            <a:ext cx="263214" cy="276999"/>
+          </a:xfrm>
+          <a:prstGeom prst="rect">
+            <a:avLst/>
+          </a:prstGeom>
+          <a:noFill/>
+        </p:spPr>
+        <p:txBody>
+          <a:bodyPr wrap="none" rtlCol="0">
+            <a:spAutoFit/>
+          </a:bodyPr>
+          <a:lstStyle/>
+          <a:p>
+            <a:r>
+              <a:rPr lang="en-US" sz="1200" dirty="0" smtClean="0"/>
+              <a:t>1</a:t>
+            </a:r>
+            <a:endParaRPr lang="en-US" sz="1200" dirty="0"/>
+          </a:p>
+        </p:txBody>
+      </p:sp>
+      <p:sp>
+        <p:nvSpPr>
+          <p:cNvPr id="13" name="TextBox 12"/>
+          <p:cNvSpPr txBox="1"/>
+          <p:nvPr/>
+        </p:nvSpPr>
+        <p:spPr>
+          <a:xfrm>
+            <a:off x="2884330" y="3050977"/>
+            <a:ext cx="341760" cy="276999"/>
+          </a:xfrm>
+          <a:prstGeom prst="rect">
+            <a:avLst/>
+          </a:prstGeom>
+          <a:noFill/>
+        </p:spPr>
+        <p:txBody>
+          <a:bodyPr wrap="none" rtlCol="0">
+            <a:spAutoFit/>
+          </a:bodyPr>
+          <a:lstStyle/>
+          <a:p>
+            <a:r>
+              <a:rPr lang="en-US" sz="1200" dirty="0" smtClean="0"/>
+              <a:t>20</a:t>
+            </a:r>
+            <a:endParaRPr lang="en-US" sz="1200" dirty="0"/>
+          </a:p>
+        </p:txBody>
+      </p:sp>
+      <p:sp>
+        <p:nvSpPr>
+          <p:cNvPr id="14" name="TextBox 13"/>
+          <p:cNvSpPr txBox="1"/>
+          <p:nvPr/>
+        </p:nvSpPr>
+        <p:spPr>
+          <a:xfrm>
+            <a:off x="3344309" y="4157662"/>
+            <a:ext cx="341760" cy="276999"/>
+          </a:xfrm>
+          <a:prstGeom prst="rect">
+            <a:avLst/>
+          </a:prstGeom>
+          <a:noFill/>
+        </p:spPr>
+        <p:txBody>
+          <a:bodyPr wrap="none" rtlCol="0">
+            <a:spAutoFit/>
+          </a:bodyPr>
+          <a:lstStyle/>
+          <a:p>
+            <a:r>
+              <a:rPr lang="en-US" sz="1200" dirty="0" smtClean="0"/>
+              <a:t>13</a:t>
+            </a:r>
+            <a:endParaRPr lang="en-US" sz="1200" dirty="0"/>
+          </a:p>
+        </p:txBody>
+      </p:sp>
+      <p:sp>
+        <p:nvSpPr>
+          <p:cNvPr id="15" name="TextBox 14"/>
+          <p:cNvSpPr txBox="1"/>
+          <p:nvPr/>
+        </p:nvSpPr>
+        <p:spPr>
+          <a:xfrm>
+            <a:off x="2971011" y="4312122"/>
+            <a:ext cx="341760" cy="276999"/>
+          </a:xfrm>
+          <a:prstGeom prst="rect">
+            <a:avLst/>
+          </a:prstGeom>
+          <a:noFill/>
+        </p:spPr>
+        <p:txBody>
+          <a:bodyPr wrap="none" rtlCol="0">
+            <a:spAutoFit/>
+          </a:bodyPr>
+          <a:lstStyle/>
+          <a:p>
+            <a:r>
+              <a:rPr lang="en-US" sz="1200" dirty="0" smtClean="0"/>
+              <a:t>11</a:t>
+            </a:r>
+            <a:endParaRPr lang="en-US" sz="1200" dirty="0"/>
+          </a:p>
+        </p:txBody>
+      </p:sp>
+      <p:sp>
+        <p:nvSpPr>
+          <p:cNvPr id="16" name="TextBox 15"/>
+          <p:cNvSpPr txBox="1"/>
+          <p:nvPr/>
+        </p:nvSpPr>
+        <p:spPr>
+          <a:xfrm>
+            <a:off x="3068034" y="4725888"/>
+            <a:ext cx="341760" cy="276999"/>
+          </a:xfrm>
+          <a:prstGeom prst="rect">
+            <a:avLst/>
+          </a:prstGeom>
+          <a:noFill/>
+        </p:spPr>
+        <p:txBody>
+          <a:bodyPr wrap="none" rtlCol="0">
+            <a:spAutoFit/>
+          </a:bodyPr>
+          <a:lstStyle/>
+          <a:p>
+            <a:r>
+              <a:rPr lang="en-US" sz="1200" dirty="0" smtClean="0"/>
+              <a:t>24</a:t>
+            </a:r>
+            <a:endParaRPr lang="en-US" sz="1200" dirty="0"/>
+          </a:p>
+        </p:txBody>
+      </p:sp>
+      <p:sp>
+        <p:nvSpPr>
+          <p:cNvPr id="17" name="TextBox 16"/>
+          <p:cNvSpPr txBox="1"/>
+          <p:nvPr/>
+        </p:nvSpPr>
+        <p:spPr>
+          <a:xfrm>
+            <a:off x="3450710" y="4618328"/>
+            <a:ext cx="341760" cy="276999"/>
+          </a:xfrm>
+          <a:prstGeom prst="rect">
+            <a:avLst/>
+          </a:prstGeom>
+          <a:noFill/>
+        </p:spPr>
+        <p:txBody>
+          <a:bodyPr wrap="none" rtlCol="0">
+            <a:spAutoFit/>
+          </a:bodyPr>
+          <a:lstStyle/>
+          <a:p>
+            <a:r>
+              <a:rPr lang="en-US" sz="1200" dirty="0" smtClean="0"/>
+              <a:t>21</a:t>
+            </a:r>
+            <a:endParaRPr lang="en-US" sz="1200" dirty="0"/>
+          </a:p>
+        </p:txBody>
+      </p:sp>
+      <p:sp>
+        <p:nvSpPr>
+          <p:cNvPr id="18" name="TextBox 17"/>
+          <p:cNvSpPr txBox="1"/>
+          <p:nvPr/>
+        </p:nvSpPr>
+        <p:spPr>
+          <a:xfrm>
+            <a:off x="4275029" y="4570511"/>
+            <a:ext cx="263214" cy="276999"/>
+          </a:xfrm>
+          <a:prstGeom prst="rect">
+            <a:avLst/>
+          </a:prstGeom>
+          <a:noFill/>
+        </p:spPr>
+        <p:txBody>
+          <a:bodyPr wrap="none" rtlCol="0">
+            <a:spAutoFit/>
+          </a:bodyPr>
+          <a:lstStyle/>
+          <a:p>
+            <a:r>
+              <a:rPr lang="en-US" sz="1200" dirty="0" smtClean="0"/>
+              <a:t>7</a:t>
+            </a:r>
+            <a:endParaRPr lang="en-US" sz="1200" dirty="0"/>
+          </a:p>
+        </p:txBody>
+      </p:sp>
+      <p:sp>
+        <p:nvSpPr>
+          <p:cNvPr id="19" name="TextBox 18"/>
+          <p:cNvSpPr txBox="1"/>
+          <p:nvPr/>
+        </p:nvSpPr>
+        <p:spPr>
+          <a:xfrm>
+            <a:off x="5239694" y="4636456"/>
+            <a:ext cx="341760" cy="276999"/>
+          </a:xfrm>
+          <a:prstGeom prst="rect">
+            <a:avLst/>
+          </a:prstGeom>
+          <a:noFill/>
+        </p:spPr>
+        <p:txBody>
+          <a:bodyPr wrap="none" rtlCol="0">
+            <a:spAutoFit/>
+          </a:bodyPr>
+          <a:lstStyle/>
+          <a:p>
+            <a:r>
+              <a:rPr lang="en-US" sz="1200" dirty="0" smtClean="0"/>
+              <a:t>19</a:t>
+            </a:r>
+            <a:endParaRPr lang="en-US" sz="1200" dirty="0"/>
+          </a:p>
+        </p:txBody>
+      </p:sp>
+      <p:sp>
+        <p:nvSpPr>
+          <p:cNvPr id="20" name="TextBox 19"/>
+          <p:cNvSpPr txBox="1"/>
+          <p:nvPr/>
+        </p:nvSpPr>
+        <p:spPr>
+          <a:xfrm>
+            <a:off x="5607102" y="4944233"/>
+            <a:ext cx="341760" cy="276999"/>
+          </a:xfrm>
+          <a:prstGeom prst="rect">
+            <a:avLst/>
+          </a:prstGeom>
+          <a:noFill/>
+        </p:spPr>
+        <p:txBody>
+          <a:bodyPr wrap="none" rtlCol="0">
+            <a:spAutoFit/>
+          </a:bodyPr>
+          <a:lstStyle/>
+          <a:p>
+            <a:r>
+              <a:rPr lang="en-US" sz="1200" dirty="0" smtClean="0"/>
+              <a:t>29</a:t>
+            </a:r>
+            <a:endParaRPr lang="en-US" sz="1200" dirty="0"/>
+          </a:p>
+        </p:txBody>
+      </p:sp>
+      <p:sp>
+        <p:nvSpPr>
+          <p:cNvPr id="21" name="TextBox 20"/>
+          <p:cNvSpPr txBox="1"/>
+          <p:nvPr/>
+        </p:nvSpPr>
+        <p:spPr>
+          <a:xfrm>
+            <a:off x="5659878" y="4715346"/>
+            <a:ext cx="263214" cy="276999"/>
+          </a:xfrm>
+          <a:prstGeom prst="rect">
+            <a:avLst/>
+          </a:prstGeom>
+          <a:noFill/>
+        </p:spPr>
+        <p:txBody>
+          <a:bodyPr wrap="none" rtlCol="0">
+            <a:spAutoFit/>
+          </a:bodyPr>
+          <a:lstStyle/>
+          <a:p>
+            <a:r>
+              <a:rPr lang="en-US" sz="1200" dirty="0" smtClean="0"/>
+              <a:t>9</a:t>
+            </a:r>
+            <a:endParaRPr lang="en-US" sz="1200" dirty="0"/>
+          </a:p>
+        </p:txBody>
+      </p:sp>
+      <p:sp>
+        <p:nvSpPr>
+          <p:cNvPr id="22" name="TextBox 21"/>
+          <p:cNvSpPr txBox="1"/>
+          <p:nvPr/>
+        </p:nvSpPr>
+        <p:spPr>
+          <a:xfrm>
+            <a:off x="5974510" y="5069370"/>
+            <a:ext cx="341760" cy="276999"/>
+          </a:xfrm>
+          <a:prstGeom prst="rect">
+            <a:avLst/>
+          </a:prstGeom>
+          <a:noFill/>
+        </p:spPr>
+        <p:txBody>
+          <a:bodyPr wrap="none" rtlCol="0">
+            <a:spAutoFit/>
+          </a:bodyPr>
+          <a:lstStyle/>
+          <a:p>
+            <a:r>
+              <a:rPr lang="en-US" sz="1200" dirty="0" smtClean="0"/>
+              <a:t>25</a:t>
+            </a:r>
+            <a:endParaRPr lang="en-US" sz="1200" dirty="0"/>
+          </a:p>
+        </p:txBody>
+      </p:sp>
+      <p:sp>
+        <p:nvSpPr>
+          <p:cNvPr id="23" name="TextBox 22"/>
+          <p:cNvSpPr txBox="1"/>
+          <p:nvPr/>
+        </p:nvSpPr>
+        <p:spPr>
+          <a:xfrm>
+            <a:off x="5943206" y="4795687"/>
+            <a:ext cx="341760" cy="276999"/>
+          </a:xfrm>
+          <a:prstGeom prst="rect">
+            <a:avLst/>
+          </a:prstGeom>
+          <a:noFill/>
+        </p:spPr>
+        <p:txBody>
+          <a:bodyPr wrap="none" rtlCol="0">
+            <a:spAutoFit/>
+          </a:bodyPr>
+          <a:lstStyle/>
+          <a:p>
+            <a:r>
+              <a:rPr lang="en-US" sz="1200" dirty="0" smtClean="0"/>
+              <a:t>15</a:t>
+            </a:r>
+            <a:endParaRPr lang="en-US" sz="1200" dirty="0"/>
+          </a:p>
+        </p:txBody>
+      </p:sp>
+      <p:sp>
+        <p:nvSpPr>
+          <p:cNvPr id="24" name="TextBox 23"/>
+          <p:cNvSpPr txBox="1"/>
+          <p:nvPr/>
+        </p:nvSpPr>
+        <p:spPr>
+          <a:xfrm>
+            <a:off x="5101675" y="2298091"/>
+            <a:ext cx="341760" cy="276999"/>
+          </a:xfrm>
+          <a:prstGeom prst="rect">
+            <a:avLst/>
+          </a:prstGeom>
+          <a:noFill/>
+        </p:spPr>
+        <p:txBody>
+          <a:bodyPr wrap="none" rtlCol="0">
+            <a:spAutoFit/>
+          </a:bodyPr>
+          <a:lstStyle/>
+          <a:p>
+            <a:r>
+              <a:rPr lang="en-US" sz="1200" dirty="0" smtClean="0"/>
+              <a:t>12</a:t>
+            </a:r>
+            <a:endParaRPr lang="en-US" sz="1200" dirty="0"/>
+          </a:p>
+        </p:txBody>
+      </p:sp>
+      <p:sp>
+        <p:nvSpPr>
+          <p:cNvPr id="25" name="TextBox 24"/>
+          <p:cNvSpPr txBox="1"/>
+          <p:nvPr/>
+        </p:nvSpPr>
+        <p:spPr>
+          <a:xfrm>
+            <a:off x="5797897" y="2589311"/>
+            <a:ext cx="341760" cy="276999"/>
+          </a:xfrm>
+          <a:prstGeom prst="rect">
+            <a:avLst/>
+          </a:prstGeom>
+          <a:noFill/>
+        </p:spPr>
+        <p:txBody>
+          <a:bodyPr wrap="none" rtlCol="0">
+            <a:spAutoFit/>
+          </a:bodyPr>
+          <a:lstStyle/>
+          <a:p>
+            <a:r>
+              <a:rPr lang="en-US" sz="1200" dirty="0" smtClean="0"/>
+              <a:t>18</a:t>
+            </a:r>
+            <a:endParaRPr lang="en-US" sz="1200" dirty="0"/>
+          </a:p>
+        </p:txBody>
+      </p:sp>
+      <p:sp>
+        <p:nvSpPr>
+          <p:cNvPr id="26" name="TextBox 25"/>
+          <p:cNvSpPr txBox="1"/>
+          <p:nvPr/>
+        </p:nvSpPr>
+        <p:spPr>
+          <a:xfrm>
+            <a:off x="6134001" y="3358754"/>
+            <a:ext cx="341760" cy="276999"/>
+          </a:xfrm>
+          <a:prstGeom prst="rect">
+            <a:avLst/>
+          </a:prstGeom>
+          <a:noFill/>
+        </p:spPr>
+        <p:txBody>
+          <a:bodyPr wrap="none" rtlCol="0">
+            <a:spAutoFit/>
+          </a:bodyPr>
+          <a:lstStyle/>
+          <a:p>
+            <a:r>
+              <a:rPr lang="en-US" sz="1200" dirty="0" smtClean="0"/>
+              <a:t>23</a:t>
+            </a:r>
+            <a:endParaRPr lang="en-US" sz="1200" dirty="0"/>
+          </a:p>
+        </p:txBody>
+      </p:sp>
+      <p:sp>
+        <p:nvSpPr>
+          <p:cNvPr id="27" name="TextBox 26"/>
+          <p:cNvSpPr txBox="1"/>
+          <p:nvPr/>
+        </p:nvSpPr>
+        <p:spPr>
+          <a:xfrm>
+            <a:off x="3276060" y="5023123"/>
+            <a:ext cx="341760" cy="276999"/>
+          </a:xfrm>
+          <a:prstGeom prst="rect">
+            <a:avLst/>
+          </a:prstGeom>
+          <a:noFill/>
+        </p:spPr>
+        <p:txBody>
+          <a:bodyPr wrap="none" rtlCol="0">
+            <a:spAutoFit/>
+          </a:bodyPr>
+          <a:lstStyle/>
+          <a:p>
+            <a:r>
+              <a:rPr lang="en-US" sz="1200" dirty="0" smtClean="0"/>
+              <a:t>22</a:t>
+            </a:r>
+            <a:endParaRPr lang="en-US" sz="1200" dirty="0"/>
+          </a:p>
+        </p:txBody>
+      </p:sp>
+      <p:sp>
+        <p:nvSpPr>
+          <p:cNvPr id="28" name="TextBox 27"/>
+          <p:cNvSpPr txBox="1"/>
+          <p:nvPr/>
+        </p:nvSpPr>
+        <p:spPr>
+          <a:xfrm>
+            <a:off x="6158214" y="4157661"/>
+            <a:ext cx="341760" cy="276999"/>
+          </a:xfrm>
+          <a:prstGeom prst="rect">
+            <a:avLst/>
+          </a:prstGeom>
+          <a:noFill/>
+        </p:spPr>
+        <p:txBody>
+          <a:bodyPr wrap="none" rtlCol="0">
+            <a:spAutoFit/>
+          </a:bodyPr>
+          <a:lstStyle/>
+          <a:p>
+            <a:r>
+              <a:rPr lang="en-US" sz="1200" dirty="0" smtClean="0"/>
+              <a:t>17</a:t>
+            </a:r>
+            <a:endParaRPr lang="en-US" sz="1200" dirty="0"/>
+          </a:p>
+        </p:txBody>
+      </p:sp>
+      <p:sp>
+        <p:nvSpPr>
+          <p:cNvPr id="29" name="TextBox 28"/>
+          <p:cNvSpPr txBox="1"/>
+          <p:nvPr/>
+        </p:nvSpPr>
+        <p:spPr>
+          <a:xfrm>
+            <a:off x="5685648" y="4497956"/>
+            <a:ext cx="263214" cy="276999"/>
+          </a:xfrm>
+          <a:prstGeom prst="rect">
+            <a:avLst/>
+          </a:prstGeom>
+          <a:noFill/>
+        </p:spPr>
+        <p:txBody>
+          <a:bodyPr wrap="none" rtlCol="0">
+            <a:spAutoFit/>
+          </a:bodyPr>
+          <a:lstStyle/>
+          <a:p>
+            <a:r>
+              <a:rPr lang="en-US" sz="1200" dirty="0" smtClean="0"/>
+              <a:t>8</a:t>
+            </a:r>
+            <a:endParaRPr lang="en-US" sz="1200" dirty="0"/>
           </a:p>
         </p:txBody>
       </p:sp>
     </p:spTree>
     <p:extLst>
       <p:ext uri="{BB962C8B-B14F-4D97-AF65-F5344CB8AC3E}">
-        <p14:creationId xmlns:p14="http://schemas.microsoft.com/office/powerpoint/2010/main" val="369617972"/>
+        <p14:creationId xmlns:p14="http://schemas.microsoft.com/office/powerpoint/2010/main" val="1718014354"/>
       </p:ext>
     </p:extLst>
   </p:cSld>
@@ -4385,9 +5305,39 @@
           <a:chExt cx="0" cy="0"/>
         </a:xfrm>
       </p:grpSpPr>
+      <p:sp>
+        <p:nvSpPr>
+          <p:cNvPr id="2" name="TextBox 1"/>
+          <p:cNvSpPr txBox="1"/>
+          <p:nvPr/>
+        </p:nvSpPr>
+        <p:spPr>
+          <a:xfrm>
+            <a:off x="152400" y="152400"/>
+            <a:ext cx="5264390" cy="369332"/>
+          </a:xfrm>
+          <a:prstGeom prst="rect">
+            <a:avLst/>
+          </a:prstGeom>
+          <a:noFill/>
+        </p:spPr>
+        <p:txBody>
+          <a:bodyPr wrap="none" rtlCol="0">
+            <a:spAutoFit/>
+          </a:bodyPr>
+          <a:lstStyle/>
+          <a:p>
+            <a:r>
+              <a:rPr lang="en-US" dirty="0" smtClean="0"/>
+              <a:t>20x6,  No invasion check, Multi Seeds,  Weights: 1/1/0</a:t>
+            </a:r>
+            <a:endParaRPr lang="en-US" dirty="0"/>
+          </a:p>
+        </p:txBody>
+      </p:sp>
       <p:pic>
         <p:nvPicPr>
-          <p:cNvPr id="6146" name="Picture 2"/>
+          <p:cNvPr id="3" name="Picture 2"/>
           <p:cNvPicPr>
             <a:picLocks noChangeAspect="1" noChangeArrowheads="1"/>
           </p:cNvPicPr>
@@ -4408,8 +5358,8 @@
         </p:blipFill>
         <p:spPr bwMode="auto">
           <a:xfrm>
-            <a:off x="1524000" y="1066800"/>
-            <a:ext cx="5791200" cy="5791200"/>
+            <a:off x="35942" y="1066800"/>
+            <a:ext cx="9089409" cy="2743200"/>
           </a:xfrm>
           <a:prstGeom prst="rect">
             <a:avLst/>
@@ -4441,14 +5391,14 @@
       </p:pic>
       <p:sp>
         <p:nvSpPr>
-          <p:cNvPr id="3" name="TextBox 2"/>
+          <p:cNvPr id="5" name="TextBox 4"/>
           <p:cNvSpPr txBox="1"/>
           <p:nvPr/>
         </p:nvSpPr>
         <p:spPr>
           <a:xfrm>
-            <a:off x="152400" y="152400"/>
-            <a:ext cx="5711820" cy="369332"/>
+            <a:off x="-21565" y="661994"/>
+            <a:ext cx="2614818" cy="369332"/>
           </a:xfrm>
           <a:prstGeom prst="rect">
             <a:avLst/>
@@ -4462,53 +5412,53 @@
           <a:lstStyle/>
           <a:p>
             <a:r>
-              <a:rPr lang="en-US" dirty="0" smtClean="0"/>
-              <a:t>20x20,  No invasion check, One Seed, Polar,  Weights: 0/1/0</a:t>
+              <a:rPr lang="ja-JP" altLang="en-US" dirty="0" smtClean="0"/>
+              <a:t>古い特徴量を使った場合</a:t>
             </a:r>
             <a:endParaRPr lang="en-US" dirty="0"/>
           </a:p>
         </p:txBody>
       </p:sp>
-    </p:spTree>
-    <p:extLst>
-      <p:ext uri="{BB962C8B-B14F-4D97-AF65-F5344CB8AC3E}">
-        <p14:creationId xmlns:p14="http://schemas.microsoft.com/office/powerpoint/2010/main" val="3097217070"/>
-      </p:ext>
-    </p:extLst>
-  </p:cSld>
-  <p:clrMapOvr>
-    <a:masterClrMapping/>
-  </p:clrMapOvr>
-</p:sld>
-</file>
-
-<file path=ppt/slides/slide9.xml><?xml version="1.0" encoding="utf-8"?>
-<p:sld xmlns:a="http://schemas.openxmlformats.org/drawingml/2006/main" xmlns:r="http://schemas.openxmlformats.org/officeDocument/2006/relationships" xmlns:p="http://schemas.openxmlformats.org/presentationml/2006/main">
-  <p:cSld>
-    <p:spTree>
-      <p:nvGrpSpPr>
-        <p:cNvPr id="1" name=""/>
-        <p:cNvGrpSpPr/>
-        <p:nvPr/>
-      </p:nvGrpSpPr>
-      <p:grpSpPr>
-        <a:xfrm>
-          <a:off x="0" y="0"/>
-          <a:ext cx="0" cy="0"/>
-          <a:chOff x="0" y="0"/>
-          <a:chExt cx="0" cy="0"/>
-        </a:xfrm>
-      </p:grpSpPr>
+      <p:sp>
+        <p:nvSpPr>
+          <p:cNvPr id="6" name="TextBox 5"/>
+          <p:cNvSpPr txBox="1"/>
+          <p:nvPr/>
+        </p:nvSpPr>
+        <p:spPr>
+          <a:xfrm>
+            <a:off x="1" y="3821668"/>
+            <a:ext cx="2791149" cy="369332"/>
+          </a:xfrm>
+          <a:prstGeom prst="rect">
+            <a:avLst/>
+          </a:prstGeom>
+          <a:noFill/>
+        </p:spPr>
+        <p:txBody>
+          <a:bodyPr wrap="none" rtlCol="0">
+            <a:spAutoFit/>
+          </a:bodyPr>
+          <a:lstStyle/>
+          <a:p>
+            <a:r>
+              <a:rPr lang="ja-JP" altLang="en-US" dirty="0" smtClean="0"/>
+              <a:t>新しい特徴量を使った場合</a:t>
+            </a:r>
+            <a:endParaRPr lang="en-US" dirty="0"/>
+          </a:p>
+        </p:txBody>
+      </p:sp>
       <p:pic>
         <p:nvPicPr>
-          <p:cNvPr id="2050" name="Picture 2"/>
+          <p:cNvPr id="2051" name="Picture 3"/>
           <p:cNvPicPr>
             <a:picLocks noChangeAspect="1" noChangeArrowheads="1"/>
           </p:cNvPicPr>
           <p:nvPr/>
         </p:nvPicPr>
         <p:blipFill>
-          <a:blip r:embed="rId2">
+          <a:blip r:embed="rId3">
             <a:extLst>
               <a:ext uri="{28A0092B-C50C-407E-A947-70E740481C1C}">
                 <a14:useLocalDpi xmlns:a14="http://schemas.microsoft.com/office/drawing/2010/main" val="0"/>
@@ -4522,8 +5472,8 @@
         </p:blipFill>
         <p:spPr bwMode="auto">
           <a:xfrm>
-            <a:off x="1828800" y="1600200"/>
-            <a:ext cx="5800725" cy="5114925"/>
+            <a:off x="-12600" y="4117179"/>
+            <a:ext cx="9156600" cy="2740821"/>
           </a:xfrm>
           <a:prstGeom prst="rect">
             <a:avLst/>
@@ -4555,14 +5505,58 @@
       </p:pic>
       <p:sp>
         <p:nvSpPr>
-          <p:cNvPr id="3" name="TextBox 2"/>
+          <p:cNvPr id="8" name="Oval 7"/>
+          <p:cNvSpPr/>
+          <p:nvPr/>
+        </p:nvSpPr>
+        <p:spPr>
+          <a:xfrm>
+            <a:off x="2161548" y="5562600"/>
+            <a:ext cx="886452" cy="914400"/>
+          </a:xfrm>
+          <a:prstGeom prst="ellipse">
+            <a:avLst/>
+          </a:prstGeom>
+          <a:noFill/>
+          <a:ln>
+            <a:prstDash val="dash"/>
+          </a:ln>
+        </p:spPr>
+        <p:style>
+          <a:lnRef idx="2">
+            <a:schemeClr val="accent1">
+              <a:shade val="50000"/>
+            </a:schemeClr>
+          </a:lnRef>
+          <a:fillRef idx="1">
+            <a:schemeClr val="accent1"/>
+          </a:fillRef>
+          <a:effectRef idx="0">
+            <a:schemeClr val="accent1"/>
+          </a:effectRef>
+          <a:fontRef idx="minor">
+            <a:schemeClr val="lt1"/>
+          </a:fontRef>
+        </p:style>
+        <p:txBody>
+          <a:bodyPr rtlCol="0" anchor="ctr"/>
+          <a:lstStyle/>
+          <a:p>
+            <a:pPr algn="ctr"/>
+            <a:endParaRPr lang="en-US"/>
+          </a:p>
+        </p:txBody>
+      </p:sp>
+      <p:sp>
+        <p:nvSpPr>
+          <p:cNvPr id="9" name="TextBox 8"/>
           <p:cNvSpPr txBox="1"/>
           <p:nvPr/>
         </p:nvSpPr>
         <p:spPr>
           <a:xfrm>
-            <a:off x="-1" y="5488"/>
-            <a:ext cx="2743123" cy="707886"/>
+            <a:off x="3008186" y="5302923"/>
+            <a:ext cx="1818126" cy="369332"/>
           </a:xfrm>
           <a:prstGeom prst="rect">
             <a:avLst/>
@@ -4576,803 +5570,17 @@
           <a:lstStyle/>
           <a:p>
             <a:r>
-              <a:rPr lang="en-US" sz="2000" dirty="0" smtClean="0"/>
-              <a:t>2. London</a:t>
-            </a:r>
-          </a:p>
-          <a:p>
-            <a:r>
-              <a:rPr lang="en-US" sz="2000" dirty="0" smtClean="0"/>
-              <a:t>kde_feature_london.xml</a:t>
-            </a:r>
-            <a:endParaRPr lang="en-US" sz="2000" dirty="0"/>
-          </a:p>
-        </p:txBody>
-      </p:sp>
-      <p:sp>
-        <p:nvSpPr>
-          <p:cNvPr id="4" name="TextBox 3"/>
-          <p:cNvSpPr txBox="1"/>
-          <p:nvPr/>
-        </p:nvSpPr>
-        <p:spPr>
-          <a:xfrm>
-            <a:off x="4591143" y="3581400"/>
-            <a:ext cx="263214" cy="276999"/>
-          </a:xfrm>
-          <a:prstGeom prst="rect">
-            <a:avLst/>
-          </a:prstGeom>
-          <a:noFill/>
-        </p:spPr>
-        <p:txBody>
-          <a:bodyPr wrap="none" rtlCol="0">
-            <a:spAutoFit/>
-          </a:bodyPr>
-          <a:lstStyle/>
-          <a:p>
-            <a:r>
-              <a:rPr lang="en-US" sz="1200" dirty="0" smtClean="0"/>
-              <a:t>3</a:t>
-            </a:r>
-            <a:endParaRPr lang="en-US" sz="1200" dirty="0"/>
-          </a:p>
-        </p:txBody>
-      </p:sp>
-      <p:sp>
-        <p:nvSpPr>
-          <p:cNvPr id="5" name="TextBox 4"/>
-          <p:cNvSpPr txBox="1"/>
-          <p:nvPr/>
-        </p:nvSpPr>
-        <p:spPr>
-          <a:xfrm>
-            <a:off x="4315105" y="3728478"/>
-            <a:ext cx="263214" cy="276999"/>
-          </a:xfrm>
-          <a:prstGeom prst="rect">
-            <a:avLst/>
-          </a:prstGeom>
-          <a:noFill/>
-        </p:spPr>
-        <p:txBody>
-          <a:bodyPr wrap="none" rtlCol="0">
-            <a:spAutoFit/>
-          </a:bodyPr>
-          <a:lstStyle/>
-          <a:p>
-            <a:r>
-              <a:rPr lang="en-US" sz="1200" dirty="0" smtClean="0"/>
-              <a:t>2</a:t>
-            </a:r>
-            <a:endParaRPr lang="en-US" sz="1200" dirty="0"/>
-          </a:p>
-        </p:txBody>
-      </p:sp>
-      <p:sp>
-        <p:nvSpPr>
-          <p:cNvPr id="6" name="TextBox 5"/>
-          <p:cNvSpPr txBox="1"/>
-          <p:nvPr/>
-        </p:nvSpPr>
-        <p:spPr>
-          <a:xfrm>
-            <a:off x="4953000" y="3573101"/>
-            <a:ext cx="341760" cy="276999"/>
-          </a:xfrm>
-          <a:prstGeom prst="rect">
-            <a:avLst/>
-          </a:prstGeom>
-          <a:noFill/>
-        </p:spPr>
-        <p:txBody>
-          <a:bodyPr wrap="none" rtlCol="0">
-            <a:spAutoFit/>
-          </a:bodyPr>
-          <a:lstStyle/>
-          <a:p>
-            <a:r>
-              <a:rPr lang="en-US" sz="1200" dirty="0" smtClean="0"/>
-              <a:t>28</a:t>
-            </a:r>
-            <a:endParaRPr lang="en-US" sz="1200" dirty="0"/>
-          </a:p>
-        </p:txBody>
-      </p:sp>
-      <p:sp>
-        <p:nvSpPr>
-          <p:cNvPr id="7" name="TextBox 6"/>
-          <p:cNvSpPr txBox="1"/>
-          <p:nvPr/>
-        </p:nvSpPr>
-        <p:spPr>
-          <a:xfrm>
-            <a:off x="4769296" y="2743200"/>
-            <a:ext cx="263214" cy="276999"/>
-          </a:xfrm>
-          <a:prstGeom prst="rect">
-            <a:avLst/>
-          </a:prstGeom>
-          <a:noFill/>
-        </p:spPr>
-        <p:txBody>
-          <a:bodyPr wrap="none" rtlCol="0">
-            <a:spAutoFit/>
-          </a:bodyPr>
-          <a:lstStyle/>
-          <a:p>
-            <a:r>
-              <a:rPr lang="en-US" sz="1200" dirty="0" smtClean="0"/>
-              <a:t>5</a:t>
-            </a:r>
-            <a:endParaRPr lang="en-US" sz="1200" dirty="0"/>
-          </a:p>
-        </p:txBody>
-      </p:sp>
-      <p:sp>
-        <p:nvSpPr>
-          <p:cNvPr id="8" name="TextBox 7"/>
-          <p:cNvSpPr txBox="1"/>
-          <p:nvPr/>
-        </p:nvSpPr>
-        <p:spPr>
-          <a:xfrm>
-            <a:off x="3886200" y="2931752"/>
-            <a:ext cx="341760" cy="276999"/>
-          </a:xfrm>
-          <a:prstGeom prst="rect">
-            <a:avLst/>
-          </a:prstGeom>
-          <a:noFill/>
-        </p:spPr>
-        <p:txBody>
-          <a:bodyPr wrap="none" rtlCol="0">
-            <a:spAutoFit/>
-          </a:bodyPr>
-          <a:lstStyle/>
-          <a:p>
-            <a:r>
-              <a:rPr lang="en-US" sz="1200" dirty="0" smtClean="0"/>
-              <a:t>26</a:t>
-            </a:r>
-            <a:endParaRPr lang="en-US" sz="1200" dirty="0"/>
-          </a:p>
-        </p:txBody>
-      </p:sp>
-      <p:sp>
-        <p:nvSpPr>
-          <p:cNvPr id="9" name="TextBox 8"/>
-          <p:cNvSpPr txBox="1"/>
-          <p:nvPr/>
-        </p:nvSpPr>
-        <p:spPr>
-          <a:xfrm>
-            <a:off x="4686532" y="4572000"/>
-            <a:ext cx="263214" cy="276999"/>
-          </a:xfrm>
-          <a:prstGeom prst="rect">
-            <a:avLst/>
-          </a:prstGeom>
-          <a:noFill/>
-        </p:spPr>
-        <p:txBody>
-          <a:bodyPr wrap="none" rtlCol="0">
-            <a:spAutoFit/>
-          </a:bodyPr>
-          <a:lstStyle/>
-          <a:p>
-            <a:r>
-              <a:rPr lang="en-US" sz="1200" dirty="0" smtClean="0"/>
-              <a:t>6</a:t>
-            </a:r>
-            <a:endParaRPr lang="en-US" sz="1200" dirty="0"/>
-          </a:p>
-        </p:txBody>
-      </p:sp>
-      <p:sp>
-        <p:nvSpPr>
-          <p:cNvPr id="10" name="TextBox 9"/>
-          <p:cNvSpPr txBox="1"/>
-          <p:nvPr/>
-        </p:nvSpPr>
-        <p:spPr>
-          <a:xfrm>
-            <a:off x="4410494" y="2435423"/>
-            <a:ext cx="263214" cy="276999"/>
-          </a:xfrm>
-          <a:prstGeom prst="rect">
-            <a:avLst/>
-          </a:prstGeom>
-          <a:noFill/>
-        </p:spPr>
-        <p:txBody>
-          <a:bodyPr wrap="none" rtlCol="0">
-            <a:spAutoFit/>
-          </a:bodyPr>
-          <a:lstStyle/>
-          <a:p>
-            <a:r>
-              <a:rPr lang="en-US" sz="1200" dirty="0" smtClean="0"/>
-              <a:t>4</a:t>
-            </a:r>
-            <a:endParaRPr lang="en-US" sz="1200" dirty="0"/>
-          </a:p>
-        </p:txBody>
-      </p:sp>
-      <p:sp>
-        <p:nvSpPr>
-          <p:cNvPr id="11" name="TextBox 10"/>
-          <p:cNvSpPr txBox="1"/>
-          <p:nvPr/>
-        </p:nvSpPr>
-        <p:spPr>
-          <a:xfrm>
-            <a:off x="5320408" y="3441050"/>
-            <a:ext cx="341760" cy="276999"/>
-          </a:xfrm>
-          <a:prstGeom prst="rect">
-            <a:avLst/>
-          </a:prstGeom>
-          <a:noFill/>
-        </p:spPr>
-        <p:txBody>
-          <a:bodyPr wrap="none" rtlCol="0">
-            <a:spAutoFit/>
-          </a:bodyPr>
-          <a:lstStyle/>
-          <a:p>
-            <a:r>
-              <a:rPr lang="en-US" sz="1200" dirty="0" smtClean="0"/>
-              <a:t>27</a:t>
-            </a:r>
-            <a:endParaRPr lang="en-US" sz="1200" dirty="0"/>
-          </a:p>
-        </p:txBody>
-      </p:sp>
-      <p:sp>
-        <p:nvSpPr>
-          <p:cNvPr id="12" name="TextBox 11"/>
-          <p:cNvSpPr txBox="1"/>
-          <p:nvPr/>
-        </p:nvSpPr>
-        <p:spPr>
-          <a:xfrm>
-            <a:off x="3200400" y="3238040"/>
-            <a:ext cx="263214" cy="276999"/>
-          </a:xfrm>
-          <a:prstGeom prst="rect">
-            <a:avLst/>
-          </a:prstGeom>
-          <a:noFill/>
-        </p:spPr>
-        <p:txBody>
-          <a:bodyPr wrap="none" rtlCol="0">
-            <a:spAutoFit/>
-          </a:bodyPr>
-          <a:lstStyle/>
-          <a:p>
-            <a:r>
-              <a:rPr lang="en-US" sz="1200" dirty="0" smtClean="0"/>
-              <a:t>1</a:t>
-            </a:r>
-            <a:endParaRPr lang="en-US" sz="1200" dirty="0"/>
-          </a:p>
-        </p:txBody>
-      </p:sp>
-      <p:sp>
-        <p:nvSpPr>
-          <p:cNvPr id="13" name="TextBox 12"/>
-          <p:cNvSpPr txBox="1"/>
-          <p:nvPr/>
-        </p:nvSpPr>
-        <p:spPr>
-          <a:xfrm>
-            <a:off x="2884330" y="3050977"/>
-            <a:ext cx="341760" cy="276999"/>
-          </a:xfrm>
-          <a:prstGeom prst="rect">
-            <a:avLst/>
-          </a:prstGeom>
-          <a:noFill/>
-        </p:spPr>
-        <p:txBody>
-          <a:bodyPr wrap="none" rtlCol="0">
-            <a:spAutoFit/>
-          </a:bodyPr>
-          <a:lstStyle/>
-          <a:p>
-            <a:r>
-              <a:rPr lang="en-US" sz="1200" dirty="0" smtClean="0"/>
-              <a:t>20</a:t>
-            </a:r>
-            <a:endParaRPr lang="en-US" sz="1200" dirty="0"/>
-          </a:p>
-        </p:txBody>
-      </p:sp>
-      <p:sp>
-        <p:nvSpPr>
-          <p:cNvPr id="14" name="TextBox 13"/>
-          <p:cNvSpPr txBox="1"/>
-          <p:nvPr/>
-        </p:nvSpPr>
-        <p:spPr>
-          <a:xfrm>
-            <a:off x="3344309" y="4157662"/>
-            <a:ext cx="341760" cy="276999"/>
-          </a:xfrm>
-          <a:prstGeom prst="rect">
-            <a:avLst/>
-          </a:prstGeom>
-          <a:noFill/>
-        </p:spPr>
-        <p:txBody>
-          <a:bodyPr wrap="none" rtlCol="0">
-            <a:spAutoFit/>
-          </a:bodyPr>
-          <a:lstStyle/>
-          <a:p>
-            <a:r>
-              <a:rPr lang="en-US" sz="1200" dirty="0" smtClean="0"/>
-              <a:t>13</a:t>
-            </a:r>
-            <a:endParaRPr lang="en-US" sz="1200" dirty="0"/>
-          </a:p>
-        </p:txBody>
-      </p:sp>
-      <p:sp>
-        <p:nvSpPr>
-          <p:cNvPr id="15" name="TextBox 14"/>
-          <p:cNvSpPr txBox="1"/>
-          <p:nvPr/>
-        </p:nvSpPr>
-        <p:spPr>
-          <a:xfrm>
-            <a:off x="2971011" y="4312122"/>
-            <a:ext cx="341760" cy="276999"/>
-          </a:xfrm>
-          <a:prstGeom prst="rect">
-            <a:avLst/>
-          </a:prstGeom>
-          <a:noFill/>
-        </p:spPr>
-        <p:txBody>
-          <a:bodyPr wrap="none" rtlCol="0">
-            <a:spAutoFit/>
-          </a:bodyPr>
-          <a:lstStyle/>
-          <a:p>
-            <a:r>
-              <a:rPr lang="en-US" sz="1200" dirty="0" smtClean="0"/>
-              <a:t>11</a:t>
-            </a:r>
-            <a:endParaRPr lang="en-US" sz="1200" dirty="0"/>
-          </a:p>
-        </p:txBody>
-      </p:sp>
-      <p:sp>
-        <p:nvSpPr>
-          <p:cNvPr id="16" name="TextBox 15"/>
-          <p:cNvSpPr txBox="1"/>
-          <p:nvPr/>
-        </p:nvSpPr>
-        <p:spPr>
-          <a:xfrm>
-            <a:off x="3068034" y="4725888"/>
-            <a:ext cx="341760" cy="276999"/>
-          </a:xfrm>
-          <a:prstGeom prst="rect">
-            <a:avLst/>
-          </a:prstGeom>
-          <a:noFill/>
-        </p:spPr>
-        <p:txBody>
-          <a:bodyPr wrap="none" rtlCol="0">
-            <a:spAutoFit/>
-          </a:bodyPr>
-          <a:lstStyle/>
-          <a:p>
-            <a:r>
-              <a:rPr lang="en-US" sz="1200" dirty="0" smtClean="0"/>
-              <a:t>24</a:t>
-            </a:r>
-            <a:endParaRPr lang="en-US" sz="1200" dirty="0"/>
-          </a:p>
-        </p:txBody>
-      </p:sp>
-      <p:sp>
-        <p:nvSpPr>
-          <p:cNvPr id="17" name="TextBox 16"/>
-          <p:cNvSpPr txBox="1"/>
-          <p:nvPr/>
-        </p:nvSpPr>
-        <p:spPr>
-          <a:xfrm>
-            <a:off x="3450710" y="4618328"/>
-            <a:ext cx="341760" cy="276999"/>
-          </a:xfrm>
-          <a:prstGeom prst="rect">
-            <a:avLst/>
-          </a:prstGeom>
-          <a:noFill/>
-        </p:spPr>
-        <p:txBody>
-          <a:bodyPr wrap="none" rtlCol="0">
-            <a:spAutoFit/>
-          </a:bodyPr>
-          <a:lstStyle/>
-          <a:p>
-            <a:r>
-              <a:rPr lang="en-US" sz="1200" dirty="0" smtClean="0"/>
-              <a:t>21</a:t>
-            </a:r>
-            <a:endParaRPr lang="en-US" sz="1200" dirty="0"/>
-          </a:p>
-        </p:txBody>
-      </p:sp>
-      <p:sp>
-        <p:nvSpPr>
-          <p:cNvPr id="18" name="TextBox 17"/>
-          <p:cNvSpPr txBox="1"/>
-          <p:nvPr/>
-        </p:nvSpPr>
-        <p:spPr>
-          <a:xfrm>
-            <a:off x="4275029" y="4570511"/>
-            <a:ext cx="263214" cy="276999"/>
-          </a:xfrm>
-          <a:prstGeom prst="rect">
-            <a:avLst/>
-          </a:prstGeom>
-          <a:noFill/>
-        </p:spPr>
-        <p:txBody>
-          <a:bodyPr wrap="none" rtlCol="0">
-            <a:spAutoFit/>
-          </a:bodyPr>
-          <a:lstStyle/>
-          <a:p>
-            <a:r>
-              <a:rPr lang="en-US" sz="1200" dirty="0" smtClean="0"/>
-              <a:t>7</a:t>
-            </a:r>
-            <a:endParaRPr lang="en-US" sz="1200" dirty="0"/>
-          </a:p>
-        </p:txBody>
-      </p:sp>
-      <p:sp>
-        <p:nvSpPr>
-          <p:cNvPr id="19" name="TextBox 18"/>
-          <p:cNvSpPr txBox="1"/>
-          <p:nvPr/>
-        </p:nvSpPr>
-        <p:spPr>
-          <a:xfrm>
-            <a:off x="5239694" y="4636456"/>
-            <a:ext cx="341760" cy="276999"/>
-          </a:xfrm>
-          <a:prstGeom prst="rect">
-            <a:avLst/>
-          </a:prstGeom>
-          <a:noFill/>
-        </p:spPr>
-        <p:txBody>
-          <a:bodyPr wrap="none" rtlCol="0">
-            <a:spAutoFit/>
-          </a:bodyPr>
-          <a:lstStyle/>
-          <a:p>
-            <a:r>
-              <a:rPr lang="en-US" sz="1200" dirty="0" smtClean="0"/>
-              <a:t>19</a:t>
-            </a:r>
-            <a:endParaRPr lang="en-US" sz="1200" dirty="0"/>
-          </a:p>
-        </p:txBody>
-      </p:sp>
-      <p:sp>
-        <p:nvSpPr>
-          <p:cNvPr id="20" name="TextBox 19"/>
-          <p:cNvSpPr txBox="1"/>
-          <p:nvPr/>
-        </p:nvSpPr>
-        <p:spPr>
-          <a:xfrm>
-            <a:off x="5607102" y="4944233"/>
-            <a:ext cx="341760" cy="276999"/>
-          </a:xfrm>
-          <a:prstGeom prst="rect">
-            <a:avLst/>
-          </a:prstGeom>
-          <a:noFill/>
-        </p:spPr>
-        <p:txBody>
-          <a:bodyPr wrap="none" rtlCol="0">
-            <a:spAutoFit/>
-          </a:bodyPr>
-          <a:lstStyle/>
-          <a:p>
-            <a:r>
-              <a:rPr lang="en-US" sz="1200" dirty="0" smtClean="0"/>
-              <a:t>29</a:t>
-            </a:r>
-            <a:endParaRPr lang="en-US" sz="1200" dirty="0"/>
-          </a:p>
-        </p:txBody>
-      </p:sp>
-      <p:sp>
-        <p:nvSpPr>
-          <p:cNvPr id="21" name="TextBox 20"/>
-          <p:cNvSpPr txBox="1"/>
-          <p:nvPr/>
-        </p:nvSpPr>
-        <p:spPr>
-          <a:xfrm>
-            <a:off x="5659878" y="4715346"/>
-            <a:ext cx="263214" cy="276999"/>
-          </a:xfrm>
-          <a:prstGeom prst="rect">
-            <a:avLst/>
-          </a:prstGeom>
-          <a:noFill/>
-        </p:spPr>
-        <p:txBody>
-          <a:bodyPr wrap="none" rtlCol="0">
-            <a:spAutoFit/>
-          </a:bodyPr>
-          <a:lstStyle/>
-          <a:p>
-            <a:r>
-              <a:rPr lang="en-US" sz="1200" dirty="0" smtClean="0"/>
-              <a:t>9</a:t>
-            </a:r>
-            <a:endParaRPr lang="en-US" sz="1200" dirty="0"/>
-          </a:p>
-        </p:txBody>
-      </p:sp>
-      <p:sp>
-        <p:nvSpPr>
-          <p:cNvPr id="22" name="TextBox 21"/>
-          <p:cNvSpPr txBox="1"/>
-          <p:nvPr/>
-        </p:nvSpPr>
-        <p:spPr>
-          <a:xfrm>
-            <a:off x="5974510" y="5069370"/>
-            <a:ext cx="341760" cy="276999"/>
-          </a:xfrm>
-          <a:prstGeom prst="rect">
-            <a:avLst/>
-          </a:prstGeom>
-          <a:noFill/>
-        </p:spPr>
-        <p:txBody>
-          <a:bodyPr wrap="none" rtlCol="0">
-            <a:spAutoFit/>
-          </a:bodyPr>
-          <a:lstStyle/>
-          <a:p>
-            <a:r>
-              <a:rPr lang="en-US" sz="1200" dirty="0" smtClean="0"/>
-              <a:t>25</a:t>
-            </a:r>
-            <a:endParaRPr lang="en-US" sz="1200" dirty="0"/>
-          </a:p>
-        </p:txBody>
-      </p:sp>
-      <p:sp>
-        <p:nvSpPr>
-          <p:cNvPr id="23" name="TextBox 22"/>
-          <p:cNvSpPr txBox="1"/>
-          <p:nvPr/>
-        </p:nvSpPr>
-        <p:spPr>
-          <a:xfrm>
-            <a:off x="5943206" y="4795687"/>
-            <a:ext cx="341760" cy="276999"/>
-          </a:xfrm>
-          <a:prstGeom prst="rect">
-            <a:avLst/>
-          </a:prstGeom>
-          <a:noFill/>
-        </p:spPr>
-        <p:txBody>
-          <a:bodyPr wrap="none" rtlCol="0">
-            <a:spAutoFit/>
-          </a:bodyPr>
-          <a:lstStyle/>
-          <a:p>
-            <a:r>
-              <a:rPr lang="en-US" sz="1200" dirty="0" smtClean="0"/>
-              <a:t>15</a:t>
-            </a:r>
-            <a:endParaRPr lang="en-US" sz="1200" dirty="0"/>
-          </a:p>
-        </p:txBody>
-      </p:sp>
-      <p:sp>
-        <p:nvSpPr>
-          <p:cNvPr id="24" name="TextBox 23"/>
-          <p:cNvSpPr txBox="1"/>
-          <p:nvPr/>
-        </p:nvSpPr>
-        <p:spPr>
-          <a:xfrm>
-            <a:off x="5101675" y="2298091"/>
-            <a:ext cx="341760" cy="276999"/>
-          </a:xfrm>
-          <a:prstGeom prst="rect">
-            <a:avLst/>
-          </a:prstGeom>
-          <a:noFill/>
-        </p:spPr>
-        <p:txBody>
-          <a:bodyPr wrap="none" rtlCol="0">
-            <a:spAutoFit/>
-          </a:bodyPr>
-          <a:lstStyle/>
-          <a:p>
-            <a:r>
-              <a:rPr lang="en-US" sz="1200" dirty="0" smtClean="0"/>
-              <a:t>12</a:t>
-            </a:r>
-            <a:endParaRPr lang="en-US" sz="1200" dirty="0"/>
-          </a:p>
-        </p:txBody>
-      </p:sp>
-      <p:sp>
-        <p:nvSpPr>
-          <p:cNvPr id="25" name="TextBox 24"/>
-          <p:cNvSpPr txBox="1"/>
-          <p:nvPr/>
-        </p:nvSpPr>
-        <p:spPr>
-          <a:xfrm>
-            <a:off x="5797897" y="2589311"/>
-            <a:ext cx="341760" cy="276999"/>
-          </a:xfrm>
-          <a:prstGeom prst="rect">
-            <a:avLst/>
-          </a:prstGeom>
-          <a:noFill/>
-        </p:spPr>
-        <p:txBody>
-          <a:bodyPr wrap="none" rtlCol="0">
-            <a:spAutoFit/>
-          </a:bodyPr>
-          <a:lstStyle/>
-          <a:p>
-            <a:r>
-              <a:rPr lang="en-US" sz="1200" dirty="0" smtClean="0"/>
-              <a:t>18</a:t>
-            </a:r>
-            <a:endParaRPr lang="en-US" sz="1200" dirty="0"/>
-          </a:p>
-        </p:txBody>
-      </p:sp>
-      <p:sp>
-        <p:nvSpPr>
-          <p:cNvPr id="26" name="TextBox 25"/>
-          <p:cNvSpPr txBox="1"/>
-          <p:nvPr/>
-        </p:nvSpPr>
-        <p:spPr>
-          <a:xfrm>
-            <a:off x="6134001" y="3358754"/>
-            <a:ext cx="341760" cy="276999"/>
-          </a:xfrm>
-          <a:prstGeom prst="rect">
-            <a:avLst/>
-          </a:prstGeom>
-          <a:noFill/>
-        </p:spPr>
-        <p:txBody>
-          <a:bodyPr wrap="none" rtlCol="0">
-            <a:spAutoFit/>
-          </a:bodyPr>
-          <a:lstStyle/>
-          <a:p>
-            <a:r>
-              <a:rPr lang="en-US" sz="1200" dirty="0" smtClean="0"/>
-              <a:t>23</a:t>
-            </a:r>
-            <a:endParaRPr lang="en-US" sz="1200" dirty="0"/>
-          </a:p>
-        </p:txBody>
-      </p:sp>
-      <p:sp>
-        <p:nvSpPr>
-          <p:cNvPr id="27" name="TextBox 26"/>
-          <p:cNvSpPr txBox="1"/>
-          <p:nvPr/>
-        </p:nvSpPr>
-        <p:spPr>
-          <a:xfrm>
-            <a:off x="3276060" y="5023123"/>
-            <a:ext cx="341760" cy="276999"/>
-          </a:xfrm>
-          <a:prstGeom prst="rect">
-            <a:avLst/>
-          </a:prstGeom>
-          <a:noFill/>
-        </p:spPr>
-        <p:txBody>
-          <a:bodyPr wrap="none" rtlCol="0">
-            <a:spAutoFit/>
-          </a:bodyPr>
-          <a:lstStyle/>
-          <a:p>
-            <a:r>
-              <a:rPr lang="en-US" sz="1200" dirty="0" smtClean="0"/>
-              <a:t>22</a:t>
-            </a:r>
-            <a:endParaRPr lang="en-US" sz="1200" dirty="0"/>
-          </a:p>
-        </p:txBody>
-      </p:sp>
-      <p:sp>
-        <p:nvSpPr>
-          <p:cNvPr id="28" name="TextBox 27"/>
-          <p:cNvSpPr txBox="1"/>
-          <p:nvPr/>
-        </p:nvSpPr>
-        <p:spPr>
-          <a:xfrm>
-            <a:off x="6158214" y="4157661"/>
-            <a:ext cx="341760" cy="276999"/>
-          </a:xfrm>
-          <a:prstGeom prst="rect">
-            <a:avLst/>
-          </a:prstGeom>
-          <a:noFill/>
-        </p:spPr>
-        <p:txBody>
-          <a:bodyPr wrap="none" rtlCol="0">
-            <a:spAutoFit/>
-          </a:bodyPr>
-          <a:lstStyle/>
-          <a:p>
-            <a:r>
-              <a:rPr lang="en-US" sz="1200" dirty="0" smtClean="0"/>
-              <a:t>17</a:t>
-            </a:r>
-            <a:endParaRPr lang="en-US" sz="1200" dirty="0"/>
-          </a:p>
-        </p:txBody>
-      </p:sp>
-      <p:sp>
-        <p:nvSpPr>
-          <p:cNvPr id="29" name="TextBox 28"/>
-          <p:cNvSpPr txBox="1"/>
-          <p:nvPr/>
-        </p:nvSpPr>
-        <p:spPr>
-          <a:xfrm>
-            <a:off x="5685648" y="4497956"/>
-            <a:ext cx="263214" cy="276999"/>
-          </a:xfrm>
-          <a:prstGeom prst="rect">
-            <a:avLst/>
-          </a:prstGeom>
-          <a:noFill/>
-        </p:spPr>
-        <p:txBody>
-          <a:bodyPr wrap="none" rtlCol="0">
-            <a:spAutoFit/>
-          </a:bodyPr>
-          <a:lstStyle/>
-          <a:p>
-            <a:r>
-              <a:rPr lang="en-US" sz="1200" dirty="0" smtClean="0"/>
-              <a:t>8</a:t>
-            </a:r>
-            <a:endParaRPr lang="en-US" sz="1200" dirty="0"/>
+              <a:rPr lang="ja-JP" altLang="en-US" dirty="0" smtClean="0"/>
+              <a:t>スナップしない？</a:t>
+            </a:r>
+            <a:endParaRPr lang="en-US" dirty="0"/>
           </a:p>
         </p:txBody>
       </p:sp>
     </p:spTree>
     <p:extLst>
       <p:ext uri="{BB962C8B-B14F-4D97-AF65-F5344CB8AC3E}">
-        <p14:creationId xmlns:p14="http://schemas.microsoft.com/office/powerpoint/2010/main" val="1718014354"/>
+        <p14:creationId xmlns:p14="http://schemas.microsoft.com/office/powerpoint/2010/main" val="2661577249"/>
       </p:ext>
     </p:extLst>
   </p:cSld>
